--- a/仕様書/敵.pptx
+++ b/仕様書/敵.pptx
@@ -4980,11 +4980,12 @@
 </file>
 
 <file path=customXml/item1.xml><?xml version="1.0" encoding="utf-8"?>
-<p:properties xmlns:p="http://schemas.microsoft.com/office/2006/metadata/properties" xmlns:xsi="http://www.w3.org/2001/XMLSchema-instance" xmlns:pc="http://schemas.microsoft.com/office/infopath/2007/PartnerControls">
-  <documentManagement>
-    <_activity xmlns="0a79406d-1a90-40fa-b108-e693c35dd91f" xsi:nil="true"/>
-  </documentManagement>
-</p:properties>
+<?mso-contentType ?>
+<FormTemplates xmlns="http://schemas.microsoft.com/sharepoint/v3/contenttype/forms">
+  <Display>DocumentLibraryForm</Display>
+  <Edit>DocumentLibraryForm</Edit>
+  <New>DocumentLibraryForm</New>
+</FormTemplates>
 </file>
 
 <file path=customXml/item2.xml><?xml version="1.0" encoding="utf-8"?>
@@ -5164,26 +5165,17 @@
 </file>
 
 <file path=customXml/item3.xml><?xml version="1.0" encoding="utf-8"?>
-<?mso-contentType ?>
-<FormTemplates xmlns="http://schemas.microsoft.com/sharepoint/v3/contenttype/forms">
-  <Display>DocumentLibraryForm</Display>
-  <Edit>DocumentLibraryForm</Edit>
-  <New>DocumentLibraryForm</New>
-</FormTemplates>
+<p:properties xmlns:p="http://schemas.microsoft.com/office/2006/metadata/properties" xmlns:xsi="http://www.w3.org/2001/XMLSchema-instance" xmlns:pc="http://schemas.microsoft.com/office/infopath/2007/PartnerControls">
+  <documentManagement>
+    <_activity xmlns="0a79406d-1a90-40fa-b108-e693c35dd91f" xsi:nil="true"/>
+  </documentManagement>
+</p:properties>
 </file>
 
 <file path=customXml/itemProps1.xml><?xml version="1.0" encoding="utf-8"?>
-<ds:datastoreItem xmlns:ds="http://schemas.openxmlformats.org/officeDocument/2006/customXml" ds:itemID="{8293A2B9-B42E-448C-8005-B3BADAFE1917}">
+<ds:datastoreItem xmlns:ds="http://schemas.openxmlformats.org/officeDocument/2006/customXml" ds:itemID="{7A810A4D-4FBF-482B-9C50-8859A7283F75}">
   <ds:schemaRefs>
-    <ds:schemaRef ds:uri="http://www.w3.org/XML/1998/namespace"/>
-    <ds:schemaRef ds:uri="http://schemas.openxmlformats.org/package/2006/metadata/core-properties"/>
-    <ds:schemaRef ds:uri="http://purl.org/dc/terms/"/>
-    <ds:schemaRef ds:uri="http://purl.org/dc/elements/1.1/"/>
-    <ds:schemaRef ds:uri="http://schemas.microsoft.com/office/2006/documentManagement/types"/>
-    <ds:schemaRef ds:uri="http://purl.org/dc/dcmitype/"/>
-    <ds:schemaRef ds:uri="http://schemas.microsoft.com/office/infopath/2007/PartnerControls"/>
-    <ds:schemaRef ds:uri="0a79406d-1a90-40fa-b108-e693c35dd91f"/>
-    <ds:schemaRef ds:uri="http://schemas.microsoft.com/office/2006/metadata/properties"/>
+    <ds:schemaRef ds:uri="http://schemas.microsoft.com/sharepoint/v3/contenttype/forms"/>
   </ds:schemaRefs>
 </ds:datastoreItem>
 </file>
@@ -5207,9 +5199,17 @@
 </file>
 
 <file path=customXml/itemProps3.xml><?xml version="1.0" encoding="utf-8"?>
-<ds:datastoreItem xmlns:ds="http://schemas.openxmlformats.org/officeDocument/2006/customXml" ds:itemID="{7A810A4D-4FBF-482B-9C50-8859A7283F75}">
+<ds:datastoreItem xmlns:ds="http://schemas.openxmlformats.org/officeDocument/2006/customXml" ds:itemID="{8293A2B9-B42E-448C-8005-B3BADAFE1917}">
   <ds:schemaRefs>
-    <ds:schemaRef ds:uri="http://schemas.microsoft.com/sharepoint/v3/contenttype/forms"/>
+    <ds:schemaRef ds:uri="http://www.w3.org/XML/1998/namespace"/>
+    <ds:schemaRef ds:uri="http://schemas.openxmlformats.org/package/2006/metadata/core-properties"/>
+    <ds:schemaRef ds:uri="http://purl.org/dc/terms/"/>
+    <ds:schemaRef ds:uri="http://purl.org/dc/elements/1.1/"/>
+    <ds:schemaRef ds:uri="http://schemas.microsoft.com/office/2006/documentManagement/types"/>
+    <ds:schemaRef ds:uri="http://purl.org/dc/dcmitype/"/>
+    <ds:schemaRef ds:uri="http://schemas.microsoft.com/office/infopath/2007/PartnerControls"/>
+    <ds:schemaRef ds:uri="0a79406d-1a90-40fa-b108-e693c35dd91f"/>
+    <ds:schemaRef ds:uri="http://schemas.microsoft.com/office/2006/metadata/properties"/>
   </ds:schemaRefs>
 </ds:datastoreItem>
 </file>
--- a/仕様書/敵.pptx
+++ b/仕様書/敵.pptx
@@ -4980,12 +4980,11 @@
 </file>
 
 <file path=customXml/item1.xml><?xml version="1.0" encoding="utf-8"?>
-<?mso-contentType ?>
-<FormTemplates xmlns="http://schemas.microsoft.com/sharepoint/v3/contenttype/forms">
-  <Display>DocumentLibraryForm</Display>
-  <Edit>DocumentLibraryForm</Edit>
-  <New>DocumentLibraryForm</New>
-</FormTemplates>
+<p:properties xmlns:p="http://schemas.microsoft.com/office/2006/metadata/properties" xmlns:xsi="http://www.w3.org/2001/XMLSchema-instance" xmlns:pc="http://schemas.microsoft.com/office/infopath/2007/PartnerControls">
+  <documentManagement>
+    <_activity xmlns="0a79406d-1a90-40fa-b108-e693c35dd91f" xsi:nil="true"/>
+  </documentManagement>
+</p:properties>
 </file>
 
 <file path=customXml/item2.xml><?xml version="1.0" encoding="utf-8"?>
@@ -5165,17 +5164,26 @@
 </file>
 
 <file path=customXml/item3.xml><?xml version="1.0" encoding="utf-8"?>
-<p:properties xmlns:p="http://schemas.microsoft.com/office/2006/metadata/properties" xmlns:xsi="http://www.w3.org/2001/XMLSchema-instance" xmlns:pc="http://schemas.microsoft.com/office/infopath/2007/PartnerControls">
-  <documentManagement>
-    <_activity xmlns="0a79406d-1a90-40fa-b108-e693c35dd91f" xsi:nil="true"/>
-  </documentManagement>
-</p:properties>
+<?mso-contentType ?>
+<FormTemplates xmlns="http://schemas.microsoft.com/sharepoint/v3/contenttype/forms">
+  <Display>DocumentLibraryForm</Display>
+  <Edit>DocumentLibraryForm</Edit>
+  <New>DocumentLibraryForm</New>
+</FormTemplates>
 </file>
 
 <file path=customXml/itemProps1.xml><?xml version="1.0" encoding="utf-8"?>
-<ds:datastoreItem xmlns:ds="http://schemas.openxmlformats.org/officeDocument/2006/customXml" ds:itemID="{7A810A4D-4FBF-482B-9C50-8859A7283F75}">
+<ds:datastoreItem xmlns:ds="http://schemas.openxmlformats.org/officeDocument/2006/customXml" ds:itemID="{8293A2B9-B42E-448C-8005-B3BADAFE1917}">
   <ds:schemaRefs>
-    <ds:schemaRef ds:uri="http://schemas.microsoft.com/sharepoint/v3/contenttype/forms"/>
+    <ds:schemaRef ds:uri="http://www.w3.org/XML/1998/namespace"/>
+    <ds:schemaRef ds:uri="http://schemas.openxmlformats.org/package/2006/metadata/core-properties"/>
+    <ds:schemaRef ds:uri="http://purl.org/dc/terms/"/>
+    <ds:schemaRef ds:uri="http://purl.org/dc/elements/1.1/"/>
+    <ds:schemaRef ds:uri="http://schemas.microsoft.com/office/2006/documentManagement/types"/>
+    <ds:schemaRef ds:uri="http://purl.org/dc/dcmitype/"/>
+    <ds:schemaRef ds:uri="http://schemas.microsoft.com/office/infopath/2007/PartnerControls"/>
+    <ds:schemaRef ds:uri="0a79406d-1a90-40fa-b108-e693c35dd91f"/>
+    <ds:schemaRef ds:uri="http://schemas.microsoft.com/office/2006/metadata/properties"/>
   </ds:schemaRefs>
 </ds:datastoreItem>
 </file>
@@ -5199,17 +5207,9 @@
 </file>
 
 <file path=customXml/itemProps3.xml><?xml version="1.0" encoding="utf-8"?>
-<ds:datastoreItem xmlns:ds="http://schemas.openxmlformats.org/officeDocument/2006/customXml" ds:itemID="{8293A2B9-B42E-448C-8005-B3BADAFE1917}">
+<ds:datastoreItem xmlns:ds="http://schemas.openxmlformats.org/officeDocument/2006/customXml" ds:itemID="{7A810A4D-4FBF-482B-9C50-8859A7283F75}">
   <ds:schemaRefs>
-    <ds:schemaRef ds:uri="http://www.w3.org/XML/1998/namespace"/>
-    <ds:schemaRef ds:uri="http://schemas.openxmlformats.org/package/2006/metadata/core-properties"/>
-    <ds:schemaRef ds:uri="http://purl.org/dc/terms/"/>
-    <ds:schemaRef ds:uri="http://purl.org/dc/elements/1.1/"/>
-    <ds:schemaRef ds:uri="http://schemas.microsoft.com/office/2006/documentManagement/types"/>
-    <ds:schemaRef ds:uri="http://purl.org/dc/dcmitype/"/>
-    <ds:schemaRef ds:uri="http://schemas.microsoft.com/office/infopath/2007/PartnerControls"/>
-    <ds:schemaRef ds:uri="0a79406d-1a90-40fa-b108-e693c35dd91f"/>
-    <ds:schemaRef ds:uri="http://schemas.microsoft.com/office/2006/metadata/properties"/>
+    <ds:schemaRef ds:uri="http://schemas.microsoft.com/sharepoint/v3/contenttype/forms"/>
   </ds:schemaRefs>
 </ds:datastoreItem>
 </file>
--- a/仕様書/敵.pptx
+++ b/仕様書/敵.pptx
@@ -108,6 +108,11 @@
       </a:defRPr>
     </a:lvl9pPr>
   </p:defaultTextStyle>
+  <p:extLst>
+    <p:ext uri="{EFAFB233-063F-42B5-8137-9DF3F51BA10A}">
+      <p15:sldGuideLst xmlns:p15="http://schemas.microsoft.com/office/powerpoint/2012/main"/>
+    </p:ext>
+  </p:extLst>
 </p:presentation>
 </file>
 

--- a/仕様書/敵.pptx
+++ b/仕様書/敵.pptx
@@ -2,15 +2,15 @@
 <file path=ppt/presentation.xml><?xml version="1.0" encoding="utf-8"?>
 <p:presentation xmlns:a="http://schemas.openxmlformats.org/drawingml/2006/main" xmlns:r="http://schemas.openxmlformats.org/officeDocument/2006/relationships" xmlns:p="http://schemas.openxmlformats.org/presentationml/2006/main" saveSubsetFonts="1">
   <p:sldMasterIdLst>
-    <p:sldMasterId id="2147483648" r:id="rId4"/>
+    <p:sldMasterId id="2147483648" r:id="rId1"/>
   </p:sldMasterIdLst>
   <p:sldIdLst>
-    <p:sldId id="256" r:id="rId5"/>
-    <p:sldId id="257" r:id="rId6"/>
-    <p:sldId id="258" r:id="rId7"/>
-    <p:sldId id="259" r:id="rId8"/>
-    <p:sldId id="260" r:id="rId9"/>
-    <p:sldId id="261" r:id="rId10"/>
+    <p:sldId id="261" r:id="rId2"/>
+    <p:sldId id="256" r:id="rId3"/>
+    <p:sldId id="257" r:id="rId4"/>
+    <p:sldId id="258" r:id="rId5"/>
+    <p:sldId id="259" r:id="rId6"/>
+    <p:sldId id="260" r:id="rId7"/>
   </p:sldIdLst>
   <p:sldSz cx="12192000" cy="6858000"/>
   <p:notesSz cx="6858000" cy="9144000"/>
@@ -139,7 +139,7 @@
           <p:cNvPr id="2" name="タイトル 1">
             <a:extLst>
               <a:ext uri="{FF2B5EF4-FFF2-40B4-BE49-F238E27FC236}">
-                <a16:creationId xmlns:a16="http://schemas.microsoft.com/office/drawing/2014/main" id="{73245D14-A2CF-42A5-90A0-D7F5CDF43B91}"/>
+                <a16:creationId xmlns:a16="http://schemas.microsoft.com/office/drawing/2014/main" id="{8774CC41-455F-4361-836D-C7E0FDD07E89}"/>
               </a:ext>
             </a:extLst>
           </p:cNvPr>
@@ -176,7 +176,7 @@
           <p:cNvPr id="3" name="字幕 2">
             <a:extLst>
               <a:ext uri="{FF2B5EF4-FFF2-40B4-BE49-F238E27FC236}">
-                <a16:creationId xmlns:a16="http://schemas.microsoft.com/office/drawing/2014/main" id="{DAADA0AF-2FBF-41E0-8BFF-4F5093AF3285}"/>
+                <a16:creationId xmlns:a16="http://schemas.microsoft.com/office/drawing/2014/main" id="{CAEB28DD-FF84-4CAE-B66E-15E78FB977DB}"/>
               </a:ext>
             </a:extLst>
           </p:cNvPr>
@@ -246,7 +246,7 @@
           <p:cNvPr id="4" name="日付プレースホルダー 3">
             <a:extLst>
               <a:ext uri="{FF2B5EF4-FFF2-40B4-BE49-F238E27FC236}">
-                <a16:creationId xmlns:a16="http://schemas.microsoft.com/office/drawing/2014/main" id="{7F37E5FF-E5C6-426B-83D1-BAF770F4CE52}"/>
+                <a16:creationId xmlns:a16="http://schemas.microsoft.com/office/drawing/2014/main" id="{229D1E7C-8ABF-430B-8910-404DAE109BB7}"/>
               </a:ext>
             </a:extLst>
           </p:cNvPr>
@@ -262,7 +262,7 @@
           <a:bodyPr/>
           <a:lstStyle/>
           <a:p>
-            <a:fld id="{9D43D6F9-EB01-444E-B375-52F2EC9986A8}" type="datetimeFigureOut">
+            <a:fld id="{B0AC61BB-3DFA-4B3C-8BB0-76BE215F031E}" type="datetimeFigureOut">
               <a:rPr kumimoji="1" lang="ja-JP" altLang="en-US" smtClean="0"/>
               <a:t>2026/2/6</a:t>
             </a:fld>
@@ -275,7 +275,7 @@
           <p:cNvPr id="5" name="フッター プレースホルダー 4">
             <a:extLst>
               <a:ext uri="{FF2B5EF4-FFF2-40B4-BE49-F238E27FC236}">
-                <a16:creationId xmlns:a16="http://schemas.microsoft.com/office/drawing/2014/main" id="{37FDAF9D-A90B-4478-ADAE-688B31713945}"/>
+                <a16:creationId xmlns:a16="http://schemas.microsoft.com/office/drawing/2014/main" id="{3411EFBF-DFD3-4B2A-8D7E-474C4C155B90}"/>
               </a:ext>
             </a:extLst>
           </p:cNvPr>
@@ -300,7 +300,7 @@
           <p:cNvPr id="6" name="スライド番号プレースホルダー 5">
             <a:extLst>
               <a:ext uri="{FF2B5EF4-FFF2-40B4-BE49-F238E27FC236}">
-                <a16:creationId xmlns:a16="http://schemas.microsoft.com/office/drawing/2014/main" id="{B8201615-68E1-4791-BE9B-E96D3909C05E}"/>
+                <a16:creationId xmlns:a16="http://schemas.microsoft.com/office/drawing/2014/main" id="{FDA72D7B-1C8D-4778-B57E-F9CBFBEC0071}"/>
               </a:ext>
             </a:extLst>
           </p:cNvPr>
@@ -316,7 +316,7 @@
           <a:bodyPr/>
           <a:lstStyle/>
           <a:p>
-            <a:fld id="{03D4C52A-9DA9-4037-80ED-EC87EB5B2B27}" type="slidenum">
+            <a:fld id="{57EDFCF4-0AA6-41BE-BA99-7C42C49E93FA}" type="slidenum">
               <a:rPr kumimoji="1" lang="ja-JP" altLang="en-US" smtClean="0"/>
               <a:t>‹#›</a:t>
             </a:fld>
@@ -327,7 +327,7 @@
     </p:spTree>
     <p:extLst>
       <p:ext uri="{BB962C8B-B14F-4D97-AF65-F5344CB8AC3E}">
-        <p14:creationId xmlns:p14="http://schemas.microsoft.com/office/powerpoint/2010/main" val="1713007790"/>
+        <p14:creationId xmlns:p14="http://schemas.microsoft.com/office/powerpoint/2010/main" val="514589120"/>
       </p:ext>
     </p:extLst>
   </p:cSld>
@@ -359,7 +359,7 @@
           <p:cNvPr id="2" name="タイトル 1">
             <a:extLst>
               <a:ext uri="{FF2B5EF4-FFF2-40B4-BE49-F238E27FC236}">
-                <a16:creationId xmlns:a16="http://schemas.microsoft.com/office/drawing/2014/main" id="{AD8E7CAF-CD9B-4E00-945B-3A05FE992EB1}"/>
+                <a16:creationId xmlns:a16="http://schemas.microsoft.com/office/drawing/2014/main" id="{BEE5923B-0851-4CFC-B8B5-1A09E0BB1404}"/>
               </a:ext>
             </a:extLst>
           </p:cNvPr>
@@ -387,7 +387,7 @@
           <p:cNvPr id="3" name="縦書きテキスト プレースホルダー 2">
             <a:extLst>
               <a:ext uri="{FF2B5EF4-FFF2-40B4-BE49-F238E27FC236}">
-                <a16:creationId xmlns:a16="http://schemas.microsoft.com/office/drawing/2014/main" id="{C02DB4C5-9D71-4012-9314-1AF75B8164B0}"/>
+                <a16:creationId xmlns:a16="http://schemas.microsoft.com/office/drawing/2014/main" id="{5303835A-25FB-44ED-9429-C74AA60229FA}"/>
               </a:ext>
             </a:extLst>
           </p:cNvPr>
@@ -476,7 +476,7 @@
           <p:cNvPr id="4" name="日付プレースホルダー 3">
             <a:extLst>
               <a:ext uri="{FF2B5EF4-FFF2-40B4-BE49-F238E27FC236}">
-                <a16:creationId xmlns:a16="http://schemas.microsoft.com/office/drawing/2014/main" id="{AF667554-15DA-44D7-A799-9D6B691EAD33}"/>
+                <a16:creationId xmlns:a16="http://schemas.microsoft.com/office/drawing/2014/main" id="{D1880630-11FC-4572-98FD-10AC8A355218}"/>
               </a:ext>
             </a:extLst>
           </p:cNvPr>
@@ -492,7 +492,7 @@
           <a:bodyPr/>
           <a:lstStyle/>
           <a:p>
-            <a:fld id="{9D43D6F9-EB01-444E-B375-52F2EC9986A8}" type="datetimeFigureOut">
+            <a:fld id="{B0AC61BB-3DFA-4B3C-8BB0-76BE215F031E}" type="datetimeFigureOut">
               <a:rPr kumimoji="1" lang="ja-JP" altLang="en-US" smtClean="0"/>
               <a:t>2026/2/6</a:t>
             </a:fld>
@@ -505,7 +505,7 @@
           <p:cNvPr id="5" name="フッター プレースホルダー 4">
             <a:extLst>
               <a:ext uri="{FF2B5EF4-FFF2-40B4-BE49-F238E27FC236}">
-                <a16:creationId xmlns:a16="http://schemas.microsoft.com/office/drawing/2014/main" id="{C076DC61-F395-455E-89E2-C2F49B38DC7B}"/>
+                <a16:creationId xmlns:a16="http://schemas.microsoft.com/office/drawing/2014/main" id="{93FA4628-BDE7-4064-BDB5-629BC444AAF1}"/>
               </a:ext>
             </a:extLst>
           </p:cNvPr>
@@ -530,7 +530,7 @@
           <p:cNvPr id="6" name="スライド番号プレースホルダー 5">
             <a:extLst>
               <a:ext uri="{FF2B5EF4-FFF2-40B4-BE49-F238E27FC236}">
-                <a16:creationId xmlns:a16="http://schemas.microsoft.com/office/drawing/2014/main" id="{FC09E812-4683-4A4E-A5F6-543162A6009E}"/>
+                <a16:creationId xmlns:a16="http://schemas.microsoft.com/office/drawing/2014/main" id="{6BC517DF-BE66-4EBB-9899-E591FA6C5248}"/>
               </a:ext>
             </a:extLst>
           </p:cNvPr>
@@ -546,7 +546,7 @@
           <a:bodyPr/>
           <a:lstStyle/>
           <a:p>
-            <a:fld id="{03D4C52A-9DA9-4037-80ED-EC87EB5B2B27}" type="slidenum">
+            <a:fld id="{57EDFCF4-0AA6-41BE-BA99-7C42C49E93FA}" type="slidenum">
               <a:rPr kumimoji="1" lang="ja-JP" altLang="en-US" smtClean="0"/>
               <a:t>‹#›</a:t>
             </a:fld>
@@ -557,7 +557,7 @@
     </p:spTree>
     <p:extLst>
       <p:ext uri="{BB962C8B-B14F-4D97-AF65-F5344CB8AC3E}">
-        <p14:creationId xmlns:p14="http://schemas.microsoft.com/office/powerpoint/2010/main" val="969521396"/>
+        <p14:creationId xmlns:p14="http://schemas.microsoft.com/office/powerpoint/2010/main" val="1782086672"/>
       </p:ext>
     </p:extLst>
   </p:cSld>
@@ -589,7 +589,7 @@
           <p:cNvPr id="2" name="縦書きタイトル 1">
             <a:extLst>
               <a:ext uri="{FF2B5EF4-FFF2-40B4-BE49-F238E27FC236}">
-                <a16:creationId xmlns:a16="http://schemas.microsoft.com/office/drawing/2014/main" id="{7C99377B-294D-45FB-A51C-62026D9767D9}"/>
+                <a16:creationId xmlns:a16="http://schemas.microsoft.com/office/drawing/2014/main" id="{026C9EA5-AD88-472B-A811-600DE6AF840A}"/>
               </a:ext>
             </a:extLst>
           </p:cNvPr>
@@ -622,7 +622,7 @@
           <p:cNvPr id="3" name="縦書きテキスト プレースホルダー 2">
             <a:extLst>
               <a:ext uri="{FF2B5EF4-FFF2-40B4-BE49-F238E27FC236}">
-                <a16:creationId xmlns:a16="http://schemas.microsoft.com/office/drawing/2014/main" id="{B6639B92-7C9C-4BF9-9661-E2BFF9F43C1F}"/>
+                <a16:creationId xmlns:a16="http://schemas.microsoft.com/office/drawing/2014/main" id="{196A2E3E-6BD4-4E12-867E-36B9FF983E63}"/>
               </a:ext>
             </a:extLst>
           </p:cNvPr>
@@ -716,7 +716,7 @@
           <p:cNvPr id="4" name="日付プレースホルダー 3">
             <a:extLst>
               <a:ext uri="{FF2B5EF4-FFF2-40B4-BE49-F238E27FC236}">
-                <a16:creationId xmlns:a16="http://schemas.microsoft.com/office/drawing/2014/main" id="{EA1C8024-0859-4EBE-BC2A-40B1F68C4C39}"/>
+                <a16:creationId xmlns:a16="http://schemas.microsoft.com/office/drawing/2014/main" id="{5910C12B-75B2-4613-B17D-4378FBB5F1F8}"/>
               </a:ext>
             </a:extLst>
           </p:cNvPr>
@@ -732,7 +732,7 @@
           <a:bodyPr/>
           <a:lstStyle/>
           <a:p>
-            <a:fld id="{9D43D6F9-EB01-444E-B375-52F2EC9986A8}" type="datetimeFigureOut">
+            <a:fld id="{B0AC61BB-3DFA-4B3C-8BB0-76BE215F031E}" type="datetimeFigureOut">
               <a:rPr kumimoji="1" lang="ja-JP" altLang="en-US" smtClean="0"/>
               <a:t>2026/2/6</a:t>
             </a:fld>
@@ -745,7 +745,7 @@
           <p:cNvPr id="5" name="フッター プレースホルダー 4">
             <a:extLst>
               <a:ext uri="{FF2B5EF4-FFF2-40B4-BE49-F238E27FC236}">
-                <a16:creationId xmlns:a16="http://schemas.microsoft.com/office/drawing/2014/main" id="{E8F09438-4896-4944-A8AB-B49AAA8DF34C}"/>
+                <a16:creationId xmlns:a16="http://schemas.microsoft.com/office/drawing/2014/main" id="{D2030539-B967-425E-B7A2-92EE615456EA}"/>
               </a:ext>
             </a:extLst>
           </p:cNvPr>
@@ -770,7 +770,7 @@
           <p:cNvPr id="6" name="スライド番号プレースホルダー 5">
             <a:extLst>
               <a:ext uri="{FF2B5EF4-FFF2-40B4-BE49-F238E27FC236}">
-                <a16:creationId xmlns:a16="http://schemas.microsoft.com/office/drawing/2014/main" id="{857542A2-389F-4CD9-8D57-21C5EEC640F2}"/>
+                <a16:creationId xmlns:a16="http://schemas.microsoft.com/office/drawing/2014/main" id="{3889BCE8-004C-4277-A2A0-67C47279F6B9}"/>
               </a:ext>
             </a:extLst>
           </p:cNvPr>
@@ -786,7 +786,7 @@
           <a:bodyPr/>
           <a:lstStyle/>
           <a:p>
-            <a:fld id="{03D4C52A-9DA9-4037-80ED-EC87EB5B2B27}" type="slidenum">
+            <a:fld id="{57EDFCF4-0AA6-41BE-BA99-7C42C49E93FA}" type="slidenum">
               <a:rPr kumimoji="1" lang="ja-JP" altLang="en-US" smtClean="0"/>
               <a:t>‹#›</a:t>
             </a:fld>
@@ -797,7 +797,7 @@
     </p:spTree>
     <p:extLst>
       <p:ext uri="{BB962C8B-B14F-4D97-AF65-F5344CB8AC3E}">
-        <p14:creationId xmlns:p14="http://schemas.microsoft.com/office/powerpoint/2010/main" val="300991916"/>
+        <p14:creationId xmlns:p14="http://schemas.microsoft.com/office/powerpoint/2010/main" val="2934043006"/>
       </p:ext>
     </p:extLst>
   </p:cSld>
@@ -829,7 +829,7 @@
           <p:cNvPr id="2" name="タイトル 1">
             <a:extLst>
               <a:ext uri="{FF2B5EF4-FFF2-40B4-BE49-F238E27FC236}">
-                <a16:creationId xmlns:a16="http://schemas.microsoft.com/office/drawing/2014/main" id="{D56D2AA9-3CED-446C-AC4E-32F25AD0BC98}"/>
+                <a16:creationId xmlns:a16="http://schemas.microsoft.com/office/drawing/2014/main" id="{0214AC57-ED68-43FA-B970-5099BF46E730}"/>
               </a:ext>
             </a:extLst>
           </p:cNvPr>
@@ -857,7 +857,7 @@
           <p:cNvPr id="3" name="コンテンツ プレースホルダー 2">
             <a:extLst>
               <a:ext uri="{FF2B5EF4-FFF2-40B4-BE49-F238E27FC236}">
-                <a16:creationId xmlns:a16="http://schemas.microsoft.com/office/drawing/2014/main" id="{7A7D2C3B-19AA-4431-842F-EDB02C8FBB41}"/>
+                <a16:creationId xmlns:a16="http://schemas.microsoft.com/office/drawing/2014/main" id="{D64CBED7-C601-4B1C-9035-90A31CAAE5F5}"/>
               </a:ext>
             </a:extLst>
           </p:cNvPr>
@@ -946,7 +946,7 @@
           <p:cNvPr id="4" name="日付プレースホルダー 3">
             <a:extLst>
               <a:ext uri="{FF2B5EF4-FFF2-40B4-BE49-F238E27FC236}">
-                <a16:creationId xmlns:a16="http://schemas.microsoft.com/office/drawing/2014/main" id="{B3E253F2-5EDB-4CFE-A695-96B8D1EA814E}"/>
+                <a16:creationId xmlns:a16="http://schemas.microsoft.com/office/drawing/2014/main" id="{65A6D209-C168-4BA0-A222-D6B1B5E31D93}"/>
               </a:ext>
             </a:extLst>
           </p:cNvPr>
@@ -962,7 +962,7 @@
           <a:bodyPr/>
           <a:lstStyle/>
           <a:p>
-            <a:fld id="{9D43D6F9-EB01-444E-B375-52F2EC9986A8}" type="datetimeFigureOut">
+            <a:fld id="{B0AC61BB-3DFA-4B3C-8BB0-76BE215F031E}" type="datetimeFigureOut">
               <a:rPr kumimoji="1" lang="ja-JP" altLang="en-US" smtClean="0"/>
               <a:t>2026/2/6</a:t>
             </a:fld>
@@ -975,7 +975,7 @@
           <p:cNvPr id="5" name="フッター プレースホルダー 4">
             <a:extLst>
               <a:ext uri="{FF2B5EF4-FFF2-40B4-BE49-F238E27FC236}">
-                <a16:creationId xmlns:a16="http://schemas.microsoft.com/office/drawing/2014/main" id="{11830B56-7522-4C8E-A833-AD54CC746310}"/>
+                <a16:creationId xmlns:a16="http://schemas.microsoft.com/office/drawing/2014/main" id="{2E8DC81C-06A3-46D5-AB20-34CDE495BD49}"/>
               </a:ext>
             </a:extLst>
           </p:cNvPr>
@@ -1000,7 +1000,7 @@
           <p:cNvPr id="6" name="スライド番号プレースホルダー 5">
             <a:extLst>
               <a:ext uri="{FF2B5EF4-FFF2-40B4-BE49-F238E27FC236}">
-                <a16:creationId xmlns:a16="http://schemas.microsoft.com/office/drawing/2014/main" id="{8A42F89A-CA5B-45EA-A368-C14E86A97BF4}"/>
+                <a16:creationId xmlns:a16="http://schemas.microsoft.com/office/drawing/2014/main" id="{8601DC8B-5FDB-4F52-B22D-3CA2C8FD7CB5}"/>
               </a:ext>
             </a:extLst>
           </p:cNvPr>
@@ -1016,7 +1016,7 @@
           <a:bodyPr/>
           <a:lstStyle/>
           <a:p>
-            <a:fld id="{03D4C52A-9DA9-4037-80ED-EC87EB5B2B27}" type="slidenum">
+            <a:fld id="{57EDFCF4-0AA6-41BE-BA99-7C42C49E93FA}" type="slidenum">
               <a:rPr kumimoji="1" lang="ja-JP" altLang="en-US" smtClean="0"/>
               <a:t>‹#›</a:t>
             </a:fld>
@@ -1027,7 +1027,7 @@
     </p:spTree>
     <p:extLst>
       <p:ext uri="{BB962C8B-B14F-4D97-AF65-F5344CB8AC3E}">
-        <p14:creationId xmlns:p14="http://schemas.microsoft.com/office/powerpoint/2010/main" val="953524106"/>
+        <p14:creationId xmlns:p14="http://schemas.microsoft.com/office/powerpoint/2010/main" val="2717270435"/>
       </p:ext>
     </p:extLst>
   </p:cSld>
@@ -1059,7 +1059,7 @@
           <p:cNvPr id="2" name="タイトル 1">
             <a:extLst>
               <a:ext uri="{FF2B5EF4-FFF2-40B4-BE49-F238E27FC236}">
-                <a16:creationId xmlns:a16="http://schemas.microsoft.com/office/drawing/2014/main" id="{2D964AB0-9E6A-4357-91D3-CE6ED6A1326F}"/>
+                <a16:creationId xmlns:a16="http://schemas.microsoft.com/office/drawing/2014/main" id="{4788110B-3770-4B80-B078-33DD26AF1CD3}"/>
               </a:ext>
             </a:extLst>
           </p:cNvPr>
@@ -1096,7 +1096,7 @@
           <p:cNvPr id="3" name="テキスト プレースホルダー 2">
             <a:extLst>
               <a:ext uri="{FF2B5EF4-FFF2-40B4-BE49-F238E27FC236}">
-                <a16:creationId xmlns:a16="http://schemas.microsoft.com/office/drawing/2014/main" id="{4E0FB795-A52F-445F-A87C-F591B10AD0EE}"/>
+                <a16:creationId xmlns:a16="http://schemas.microsoft.com/office/drawing/2014/main" id="{36D926C1-CE17-4DF8-A984-FDEFADD3F7A3}"/>
               </a:ext>
             </a:extLst>
           </p:cNvPr>
@@ -1221,7 +1221,7 @@
           <p:cNvPr id="4" name="日付プレースホルダー 3">
             <a:extLst>
               <a:ext uri="{FF2B5EF4-FFF2-40B4-BE49-F238E27FC236}">
-                <a16:creationId xmlns:a16="http://schemas.microsoft.com/office/drawing/2014/main" id="{2994CC1D-3C0B-48DF-A8E6-23E8447069DB}"/>
+                <a16:creationId xmlns:a16="http://schemas.microsoft.com/office/drawing/2014/main" id="{461B8631-05DC-4174-BA90-82CACB846FB3}"/>
               </a:ext>
             </a:extLst>
           </p:cNvPr>
@@ -1237,7 +1237,7 @@
           <a:bodyPr/>
           <a:lstStyle/>
           <a:p>
-            <a:fld id="{9D43D6F9-EB01-444E-B375-52F2EC9986A8}" type="datetimeFigureOut">
+            <a:fld id="{B0AC61BB-3DFA-4B3C-8BB0-76BE215F031E}" type="datetimeFigureOut">
               <a:rPr kumimoji="1" lang="ja-JP" altLang="en-US" smtClean="0"/>
               <a:t>2026/2/6</a:t>
             </a:fld>
@@ -1250,7 +1250,7 @@
           <p:cNvPr id="5" name="フッター プレースホルダー 4">
             <a:extLst>
               <a:ext uri="{FF2B5EF4-FFF2-40B4-BE49-F238E27FC236}">
-                <a16:creationId xmlns:a16="http://schemas.microsoft.com/office/drawing/2014/main" id="{4EFEABEF-834B-4B50-95A5-26BAD91F123D}"/>
+                <a16:creationId xmlns:a16="http://schemas.microsoft.com/office/drawing/2014/main" id="{2FB700AF-CC6C-4D58-A0CB-636EAD110554}"/>
               </a:ext>
             </a:extLst>
           </p:cNvPr>
@@ -1275,7 +1275,7 @@
           <p:cNvPr id="6" name="スライド番号プレースホルダー 5">
             <a:extLst>
               <a:ext uri="{FF2B5EF4-FFF2-40B4-BE49-F238E27FC236}">
-                <a16:creationId xmlns:a16="http://schemas.microsoft.com/office/drawing/2014/main" id="{ADE6ED2D-208F-4B0F-BF5E-DB5C5591E1B3}"/>
+                <a16:creationId xmlns:a16="http://schemas.microsoft.com/office/drawing/2014/main" id="{DDAF199F-E476-4B8B-952A-B8C0C7863417}"/>
               </a:ext>
             </a:extLst>
           </p:cNvPr>
@@ -1291,7 +1291,7 @@
           <a:bodyPr/>
           <a:lstStyle/>
           <a:p>
-            <a:fld id="{03D4C52A-9DA9-4037-80ED-EC87EB5B2B27}" type="slidenum">
+            <a:fld id="{57EDFCF4-0AA6-41BE-BA99-7C42C49E93FA}" type="slidenum">
               <a:rPr kumimoji="1" lang="ja-JP" altLang="en-US" smtClean="0"/>
               <a:t>‹#›</a:t>
             </a:fld>
@@ -1302,7 +1302,7 @@
     </p:spTree>
     <p:extLst>
       <p:ext uri="{BB962C8B-B14F-4D97-AF65-F5344CB8AC3E}">
-        <p14:creationId xmlns:p14="http://schemas.microsoft.com/office/powerpoint/2010/main" val="3727619715"/>
+        <p14:creationId xmlns:p14="http://schemas.microsoft.com/office/powerpoint/2010/main" val="3159714247"/>
       </p:ext>
     </p:extLst>
   </p:cSld>
@@ -1334,7 +1334,7 @@
           <p:cNvPr id="2" name="タイトル 1">
             <a:extLst>
               <a:ext uri="{FF2B5EF4-FFF2-40B4-BE49-F238E27FC236}">
-                <a16:creationId xmlns:a16="http://schemas.microsoft.com/office/drawing/2014/main" id="{34B5EA38-3C10-4F5F-877F-672CD73A6246}"/>
+                <a16:creationId xmlns:a16="http://schemas.microsoft.com/office/drawing/2014/main" id="{F85514FD-1FA5-4F0B-8910-EFB42B25A4C9}"/>
               </a:ext>
             </a:extLst>
           </p:cNvPr>
@@ -1362,7 +1362,7 @@
           <p:cNvPr id="3" name="コンテンツ プレースホルダー 2">
             <a:extLst>
               <a:ext uri="{FF2B5EF4-FFF2-40B4-BE49-F238E27FC236}">
-                <a16:creationId xmlns:a16="http://schemas.microsoft.com/office/drawing/2014/main" id="{0A3B1C36-045A-4747-AFCD-69B832E95895}"/>
+                <a16:creationId xmlns:a16="http://schemas.microsoft.com/office/drawing/2014/main" id="{C2C6B0AA-9E22-45EA-BC93-96F96BCE96EE}"/>
               </a:ext>
             </a:extLst>
           </p:cNvPr>
@@ -1456,7 +1456,7 @@
           <p:cNvPr id="4" name="コンテンツ プレースホルダー 3">
             <a:extLst>
               <a:ext uri="{FF2B5EF4-FFF2-40B4-BE49-F238E27FC236}">
-                <a16:creationId xmlns:a16="http://schemas.microsoft.com/office/drawing/2014/main" id="{F6023BC1-5F9D-48BB-94F8-F7CBD987C85E}"/>
+                <a16:creationId xmlns:a16="http://schemas.microsoft.com/office/drawing/2014/main" id="{645B143B-8EED-4A9E-9D0A-63CC15884A43}"/>
               </a:ext>
             </a:extLst>
           </p:cNvPr>
@@ -1550,7 +1550,7 @@
           <p:cNvPr id="5" name="日付プレースホルダー 4">
             <a:extLst>
               <a:ext uri="{FF2B5EF4-FFF2-40B4-BE49-F238E27FC236}">
-                <a16:creationId xmlns:a16="http://schemas.microsoft.com/office/drawing/2014/main" id="{D7D572F0-C0AC-43B2-BF1C-7780CCFA983A}"/>
+                <a16:creationId xmlns:a16="http://schemas.microsoft.com/office/drawing/2014/main" id="{20210DC0-F5A5-4579-82A9-5A165BC4A06E}"/>
               </a:ext>
             </a:extLst>
           </p:cNvPr>
@@ -1566,7 +1566,7 @@
           <a:bodyPr/>
           <a:lstStyle/>
           <a:p>
-            <a:fld id="{9D43D6F9-EB01-444E-B375-52F2EC9986A8}" type="datetimeFigureOut">
+            <a:fld id="{B0AC61BB-3DFA-4B3C-8BB0-76BE215F031E}" type="datetimeFigureOut">
               <a:rPr kumimoji="1" lang="ja-JP" altLang="en-US" smtClean="0"/>
               <a:t>2026/2/6</a:t>
             </a:fld>
@@ -1579,7 +1579,7 @@
           <p:cNvPr id="6" name="フッター プレースホルダー 5">
             <a:extLst>
               <a:ext uri="{FF2B5EF4-FFF2-40B4-BE49-F238E27FC236}">
-                <a16:creationId xmlns:a16="http://schemas.microsoft.com/office/drawing/2014/main" id="{BA1B176F-8417-4F0F-B074-C821831FB9AE}"/>
+                <a16:creationId xmlns:a16="http://schemas.microsoft.com/office/drawing/2014/main" id="{7E5F0D4F-E35F-4EB7-86A3-00EB38B2D6BF}"/>
               </a:ext>
             </a:extLst>
           </p:cNvPr>
@@ -1604,7 +1604,7 @@
           <p:cNvPr id="7" name="スライド番号プレースホルダー 6">
             <a:extLst>
               <a:ext uri="{FF2B5EF4-FFF2-40B4-BE49-F238E27FC236}">
-                <a16:creationId xmlns:a16="http://schemas.microsoft.com/office/drawing/2014/main" id="{9BDF5F32-8C20-464B-B5DB-2848DAECE31A}"/>
+                <a16:creationId xmlns:a16="http://schemas.microsoft.com/office/drawing/2014/main" id="{125A827A-6914-4E9A-888E-91A0D9924D95}"/>
               </a:ext>
             </a:extLst>
           </p:cNvPr>
@@ -1620,7 +1620,7 @@
           <a:bodyPr/>
           <a:lstStyle/>
           <a:p>
-            <a:fld id="{03D4C52A-9DA9-4037-80ED-EC87EB5B2B27}" type="slidenum">
+            <a:fld id="{57EDFCF4-0AA6-41BE-BA99-7C42C49E93FA}" type="slidenum">
               <a:rPr kumimoji="1" lang="ja-JP" altLang="en-US" smtClean="0"/>
               <a:t>‹#›</a:t>
             </a:fld>
@@ -1631,7 +1631,7 @@
     </p:spTree>
     <p:extLst>
       <p:ext uri="{BB962C8B-B14F-4D97-AF65-F5344CB8AC3E}">
-        <p14:creationId xmlns:p14="http://schemas.microsoft.com/office/powerpoint/2010/main" val="2821157536"/>
+        <p14:creationId xmlns:p14="http://schemas.microsoft.com/office/powerpoint/2010/main" val="2113070478"/>
       </p:ext>
     </p:extLst>
   </p:cSld>
@@ -1663,7 +1663,7 @@
           <p:cNvPr id="2" name="タイトル 1">
             <a:extLst>
               <a:ext uri="{FF2B5EF4-FFF2-40B4-BE49-F238E27FC236}">
-                <a16:creationId xmlns:a16="http://schemas.microsoft.com/office/drawing/2014/main" id="{C2D8A65E-1BC8-48A4-89DB-1B63A922E6EE}"/>
+                <a16:creationId xmlns:a16="http://schemas.microsoft.com/office/drawing/2014/main" id="{7CA24832-4310-47F6-A9D3-D7885C8455A3}"/>
               </a:ext>
             </a:extLst>
           </p:cNvPr>
@@ -1696,7 +1696,7 @@
           <p:cNvPr id="3" name="テキスト プレースホルダー 2">
             <a:extLst>
               <a:ext uri="{FF2B5EF4-FFF2-40B4-BE49-F238E27FC236}">
-                <a16:creationId xmlns:a16="http://schemas.microsoft.com/office/drawing/2014/main" id="{DE1FF4D9-1EBF-489C-96F5-F4AC50C0A556}"/>
+                <a16:creationId xmlns:a16="http://schemas.microsoft.com/office/drawing/2014/main" id="{13337312-6383-43FF-BB17-273774F67792}"/>
               </a:ext>
             </a:extLst>
           </p:cNvPr>
@@ -1767,7 +1767,7 @@
           <p:cNvPr id="4" name="コンテンツ プレースホルダー 3">
             <a:extLst>
               <a:ext uri="{FF2B5EF4-FFF2-40B4-BE49-F238E27FC236}">
-                <a16:creationId xmlns:a16="http://schemas.microsoft.com/office/drawing/2014/main" id="{4290A6B1-149C-4F02-B93F-845A54925DA3}"/>
+                <a16:creationId xmlns:a16="http://schemas.microsoft.com/office/drawing/2014/main" id="{12495388-4B71-4672-8707-D26F4B823B3A}"/>
               </a:ext>
             </a:extLst>
           </p:cNvPr>
@@ -1861,7 +1861,7 @@
           <p:cNvPr id="5" name="テキスト プレースホルダー 4">
             <a:extLst>
               <a:ext uri="{FF2B5EF4-FFF2-40B4-BE49-F238E27FC236}">
-                <a16:creationId xmlns:a16="http://schemas.microsoft.com/office/drawing/2014/main" id="{8387F1BB-ABDE-422B-AB27-A60C190C814A}"/>
+                <a16:creationId xmlns:a16="http://schemas.microsoft.com/office/drawing/2014/main" id="{143C2318-40E1-4316-AAFA-1171455BD7F7}"/>
               </a:ext>
             </a:extLst>
           </p:cNvPr>
@@ -1932,7 +1932,7 @@
           <p:cNvPr id="6" name="コンテンツ プレースホルダー 5">
             <a:extLst>
               <a:ext uri="{FF2B5EF4-FFF2-40B4-BE49-F238E27FC236}">
-                <a16:creationId xmlns:a16="http://schemas.microsoft.com/office/drawing/2014/main" id="{40CF3107-96D3-487E-8455-B3C55ADEDC83}"/>
+                <a16:creationId xmlns:a16="http://schemas.microsoft.com/office/drawing/2014/main" id="{CC43757D-1C6E-4AE1-8C48-A07D44248889}"/>
               </a:ext>
             </a:extLst>
           </p:cNvPr>
@@ -2026,7 +2026,7 @@
           <p:cNvPr id="7" name="日付プレースホルダー 6">
             <a:extLst>
               <a:ext uri="{FF2B5EF4-FFF2-40B4-BE49-F238E27FC236}">
-                <a16:creationId xmlns:a16="http://schemas.microsoft.com/office/drawing/2014/main" id="{B2FABAA4-8240-40A0-A886-3AB5C3AC44BD}"/>
+                <a16:creationId xmlns:a16="http://schemas.microsoft.com/office/drawing/2014/main" id="{C4291546-0FC3-4B62-9E65-31DC17B12457}"/>
               </a:ext>
             </a:extLst>
           </p:cNvPr>
@@ -2042,7 +2042,7 @@
           <a:bodyPr/>
           <a:lstStyle/>
           <a:p>
-            <a:fld id="{9D43D6F9-EB01-444E-B375-52F2EC9986A8}" type="datetimeFigureOut">
+            <a:fld id="{B0AC61BB-3DFA-4B3C-8BB0-76BE215F031E}" type="datetimeFigureOut">
               <a:rPr kumimoji="1" lang="ja-JP" altLang="en-US" smtClean="0"/>
               <a:t>2026/2/6</a:t>
             </a:fld>
@@ -2055,7 +2055,7 @@
           <p:cNvPr id="8" name="フッター プレースホルダー 7">
             <a:extLst>
               <a:ext uri="{FF2B5EF4-FFF2-40B4-BE49-F238E27FC236}">
-                <a16:creationId xmlns:a16="http://schemas.microsoft.com/office/drawing/2014/main" id="{2B9BC6D4-8BFA-49DB-91FC-CE983EA67486}"/>
+                <a16:creationId xmlns:a16="http://schemas.microsoft.com/office/drawing/2014/main" id="{7F88B55A-25F1-4E34-B558-AED6806491F4}"/>
               </a:ext>
             </a:extLst>
           </p:cNvPr>
@@ -2080,7 +2080,7 @@
           <p:cNvPr id="9" name="スライド番号プレースホルダー 8">
             <a:extLst>
               <a:ext uri="{FF2B5EF4-FFF2-40B4-BE49-F238E27FC236}">
-                <a16:creationId xmlns:a16="http://schemas.microsoft.com/office/drawing/2014/main" id="{4C252C62-28C6-420D-A226-C67C34BD8BFB}"/>
+                <a16:creationId xmlns:a16="http://schemas.microsoft.com/office/drawing/2014/main" id="{3F78024A-32C5-4B0A-A74A-7B95054D85A9}"/>
               </a:ext>
             </a:extLst>
           </p:cNvPr>
@@ -2096,7 +2096,7 @@
           <a:bodyPr/>
           <a:lstStyle/>
           <a:p>
-            <a:fld id="{03D4C52A-9DA9-4037-80ED-EC87EB5B2B27}" type="slidenum">
+            <a:fld id="{57EDFCF4-0AA6-41BE-BA99-7C42C49E93FA}" type="slidenum">
               <a:rPr kumimoji="1" lang="ja-JP" altLang="en-US" smtClean="0"/>
               <a:t>‹#›</a:t>
             </a:fld>
@@ -2107,7 +2107,7 @@
     </p:spTree>
     <p:extLst>
       <p:ext uri="{BB962C8B-B14F-4D97-AF65-F5344CB8AC3E}">
-        <p14:creationId xmlns:p14="http://schemas.microsoft.com/office/powerpoint/2010/main" val="2440716490"/>
+        <p14:creationId xmlns:p14="http://schemas.microsoft.com/office/powerpoint/2010/main" val="1765450328"/>
       </p:ext>
     </p:extLst>
   </p:cSld>
@@ -2139,7 +2139,7 @@
           <p:cNvPr id="2" name="タイトル 1">
             <a:extLst>
               <a:ext uri="{FF2B5EF4-FFF2-40B4-BE49-F238E27FC236}">
-                <a16:creationId xmlns:a16="http://schemas.microsoft.com/office/drawing/2014/main" id="{9E95B46E-6E8C-4CB3-A4BC-3EFEABA037CF}"/>
+                <a16:creationId xmlns:a16="http://schemas.microsoft.com/office/drawing/2014/main" id="{13778226-EB9F-4EE3-B3E6-1B1414DBDEAA}"/>
               </a:ext>
             </a:extLst>
           </p:cNvPr>
@@ -2167,7 +2167,7 @@
           <p:cNvPr id="3" name="日付プレースホルダー 2">
             <a:extLst>
               <a:ext uri="{FF2B5EF4-FFF2-40B4-BE49-F238E27FC236}">
-                <a16:creationId xmlns:a16="http://schemas.microsoft.com/office/drawing/2014/main" id="{8F782237-73EE-4D69-ADC2-29036A90365C}"/>
+                <a16:creationId xmlns:a16="http://schemas.microsoft.com/office/drawing/2014/main" id="{E9343A20-0636-41F0-A04F-DDCD6B02C471}"/>
               </a:ext>
             </a:extLst>
           </p:cNvPr>
@@ -2183,7 +2183,7 @@
           <a:bodyPr/>
           <a:lstStyle/>
           <a:p>
-            <a:fld id="{9D43D6F9-EB01-444E-B375-52F2EC9986A8}" type="datetimeFigureOut">
+            <a:fld id="{B0AC61BB-3DFA-4B3C-8BB0-76BE215F031E}" type="datetimeFigureOut">
               <a:rPr kumimoji="1" lang="ja-JP" altLang="en-US" smtClean="0"/>
               <a:t>2026/2/6</a:t>
             </a:fld>
@@ -2196,7 +2196,7 @@
           <p:cNvPr id="4" name="フッター プレースホルダー 3">
             <a:extLst>
               <a:ext uri="{FF2B5EF4-FFF2-40B4-BE49-F238E27FC236}">
-                <a16:creationId xmlns:a16="http://schemas.microsoft.com/office/drawing/2014/main" id="{94FBAB71-444F-436E-B376-FD3CC90F4F38}"/>
+                <a16:creationId xmlns:a16="http://schemas.microsoft.com/office/drawing/2014/main" id="{C11E7EEC-929D-4B59-B524-7D648721C9F5}"/>
               </a:ext>
             </a:extLst>
           </p:cNvPr>
@@ -2221,7 +2221,7 @@
           <p:cNvPr id="5" name="スライド番号プレースホルダー 4">
             <a:extLst>
               <a:ext uri="{FF2B5EF4-FFF2-40B4-BE49-F238E27FC236}">
-                <a16:creationId xmlns:a16="http://schemas.microsoft.com/office/drawing/2014/main" id="{466DDFDA-F50D-4D7E-A34A-335B90CE961F}"/>
+                <a16:creationId xmlns:a16="http://schemas.microsoft.com/office/drawing/2014/main" id="{4AFF093C-8171-4D68-BA7A-6F47822B0685}"/>
               </a:ext>
             </a:extLst>
           </p:cNvPr>
@@ -2237,7 +2237,7 @@
           <a:bodyPr/>
           <a:lstStyle/>
           <a:p>
-            <a:fld id="{03D4C52A-9DA9-4037-80ED-EC87EB5B2B27}" type="slidenum">
+            <a:fld id="{57EDFCF4-0AA6-41BE-BA99-7C42C49E93FA}" type="slidenum">
               <a:rPr kumimoji="1" lang="ja-JP" altLang="en-US" smtClean="0"/>
               <a:t>‹#›</a:t>
             </a:fld>
@@ -2248,7 +2248,7 @@
     </p:spTree>
     <p:extLst>
       <p:ext uri="{BB962C8B-B14F-4D97-AF65-F5344CB8AC3E}">
-        <p14:creationId xmlns:p14="http://schemas.microsoft.com/office/powerpoint/2010/main" val="1373490046"/>
+        <p14:creationId xmlns:p14="http://schemas.microsoft.com/office/powerpoint/2010/main" val="3949211436"/>
       </p:ext>
     </p:extLst>
   </p:cSld>
@@ -2280,7 +2280,7 @@
           <p:cNvPr id="2" name="日付プレースホルダー 1">
             <a:extLst>
               <a:ext uri="{FF2B5EF4-FFF2-40B4-BE49-F238E27FC236}">
-                <a16:creationId xmlns:a16="http://schemas.microsoft.com/office/drawing/2014/main" id="{B2E3CBFB-D283-4FCB-A68C-F7B4DAA359A9}"/>
+                <a16:creationId xmlns:a16="http://schemas.microsoft.com/office/drawing/2014/main" id="{2A81611C-2DF8-4F0B-9266-CA283540320D}"/>
               </a:ext>
             </a:extLst>
           </p:cNvPr>
@@ -2296,7 +2296,7 @@
           <a:bodyPr/>
           <a:lstStyle/>
           <a:p>
-            <a:fld id="{9D43D6F9-EB01-444E-B375-52F2EC9986A8}" type="datetimeFigureOut">
+            <a:fld id="{B0AC61BB-3DFA-4B3C-8BB0-76BE215F031E}" type="datetimeFigureOut">
               <a:rPr kumimoji="1" lang="ja-JP" altLang="en-US" smtClean="0"/>
               <a:t>2026/2/6</a:t>
             </a:fld>
@@ -2309,7 +2309,7 @@
           <p:cNvPr id="3" name="フッター プレースホルダー 2">
             <a:extLst>
               <a:ext uri="{FF2B5EF4-FFF2-40B4-BE49-F238E27FC236}">
-                <a16:creationId xmlns:a16="http://schemas.microsoft.com/office/drawing/2014/main" id="{FEFA83D0-FFA4-4ECA-92BA-D4474A18B923}"/>
+                <a16:creationId xmlns:a16="http://schemas.microsoft.com/office/drawing/2014/main" id="{7C73E892-C1D2-4DBE-B43A-2DE72BBED647}"/>
               </a:ext>
             </a:extLst>
           </p:cNvPr>
@@ -2334,7 +2334,7 @@
           <p:cNvPr id="4" name="スライド番号プレースホルダー 3">
             <a:extLst>
               <a:ext uri="{FF2B5EF4-FFF2-40B4-BE49-F238E27FC236}">
-                <a16:creationId xmlns:a16="http://schemas.microsoft.com/office/drawing/2014/main" id="{51CA3DBC-9E74-4FB3-A2E9-5E06195A30E5}"/>
+                <a16:creationId xmlns:a16="http://schemas.microsoft.com/office/drawing/2014/main" id="{90D31F00-13A3-48A7-BC19-A857B8684073}"/>
               </a:ext>
             </a:extLst>
           </p:cNvPr>
@@ -2350,7 +2350,7 @@
           <a:bodyPr/>
           <a:lstStyle/>
           <a:p>
-            <a:fld id="{03D4C52A-9DA9-4037-80ED-EC87EB5B2B27}" type="slidenum">
+            <a:fld id="{57EDFCF4-0AA6-41BE-BA99-7C42C49E93FA}" type="slidenum">
               <a:rPr kumimoji="1" lang="ja-JP" altLang="en-US" smtClean="0"/>
               <a:t>‹#›</a:t>
             </a:fld>
@@ -2361,7 +2361,7 @@
     </p:spTree>
     <p:extLst>
       <p:ext uri="{BB962C8B-B14F-4D97-AF65-F5344CB8AC3E}">
-        <p14:creationId xmlns:p14="http://schemas.microsoft.com/office/powerpoint/2010/main" val="3710774283"/>
+        <p14:creationId xmlns:p14="http://schemas.microsoft.com/office/powerpoint/2010/main" val="624578745"/>
       </p:ext>
     </p:extLst>
   </p:cSld>
@@ -2393,7 +2393,7 @@
           <p:cNvPr id="2" name="タイトル 1">
             <a:extLst>
               <a:ext uri="{FF2B5EF4-FFF2-40B4-BE49-F238E27FC236}">
-                <a16:creationId xmlns:a16="http://schemas.microsoft.com/office/drawing/2014/main" id="{8593911A-3B95-431A-A20C-CF7CC6AD5A65}"/>
+                <a16:creationId xmlns:a16="http://schemas.microsoft.com/office/drawing/2014/main" id="{58CB1275-E374-4635-A719-D8CED7D8C4FC}"/>
               </a:ext>
             </a:extLst>
           </p:cNvPr>
@@ -2430,7 +2430,7 @@
           <p:cNvPr id="3" name="コンテンツ プレースホルダー 2">
             <a:extLst>
               <a:ext uri="{FF2B5EF4-FFF2-40B4-BE49-F238E27FC236}">
-                <a16:creationId xmlns:a16="http://schemas.microsoft.com/office/drawing/2014/main" id="{5CDDCF16-3CFD-4789-BFA9-62BA1CD089FB}"/>
+                <a16:creationId xmlns:a16="http://schemas.microsoft.com/office/drawing/2014/main" id="{1E16185A-5C5E-45AF-B6B3-82D63740E661}"/>
               </a:ext>
             </a:extLst>
           </p:cNvPr>
@@ -2552,7 +2552,7 @@
           <p:cNvPr id="4" name="テキスト プレースホルダー 3">
             <a:extLst>
               <a:ext uri="{FF2B5EF4-FFF2-40B4-BE49-F238E27FC236}">
-                <a16:creationId xmlns:a16="http://schemas.microsoft.com/office/drawing/2014/main" id="{84233D53-1D14-4412-B178-B3C557819D20}"/>
+                <a16:creationId xmlns:a16="http://schemas.microsoft.com/office/drawing/2014/main" id="{EB39AF8D-3B9E-4CFA-822F-22A3D9108F89}"/>
               </a:ext>
             </a:extLst>
           </p:cNvPr>
@@ -2623,7 +2623,7 @@
           <p:cNvPr id="5" name="日付プレースホルダー 4">
             <a:extLst>
               <a:ext uri="{FF2B5EF4-FFF2-40B4-BE49-F238E27FC236}">
-                <a16:creationId xmlns:a16="http://schemas.microsoft.com/office/drawing/2014/main" id="{1F506B59-CCE2-4BE8-B756-5480E8696DED}"/>
+                <a16:creationId xmlns:a16="http://schemas.microsoft.com/office/drawing/2014/main" id="{52000EC6-F4EE-47D0-8F1D-376D9F217656}"/>
               </a:ext>
             </a:extLst>
           </p:cNvPr>
@@ -2639,7 +2639,7 @@
           <a:bodyPr/>
           <a:lstStyle/>
           <a:p>
-            <a:fld id="{9D43D6F9-EB01-444E-B375-52F2EC9986A8}" type="datetimeFigureOut">
+            <a:fld id="{B0AC61BB-3DFA-4B3C-8BB0-76BE215F031E}" type="datetimeFigureOut">
               <a:rPr kumimoji="1" lang="ja-JP" altLang="en-US" smtClean="0"/>
               <a:t>2026/2/6</a:t>
             </a:fld>
@@ -2652,7 +2652,7 @@
           <p:cNvPr id="6" name="フッター プレースホルダー 5">
             <a:extLst>
               <a:ext uri="{FF2B5EF4-FFF2-40B4-BE49-F238E27FC236}">
-                <a16:creationId xmlns:a16="http://schemas.microsoft.com/office/drawing/2014/main" id="{C9A5BB77-C3C1-45B3-B0B0-5DC6274273CB}"/>
+                <a16:creationId xmlns:a16="http://schemas.microsoft.com/office/drawing/2014/main" id="{5488C2EC-13A7-49BE-8E40-FB49D21F0931}"/>
               </a:ext>
             </a:extLst>
           </p:cNvPr>
@@ -2677,7 +2677,7 @@
           <p:cNvPr id="7" name="スライド番号プレースホルダー 6">
             <a:extLst>
               <a:ext uri="{FF2B5EF4-FFF2-40B4-BE49-F238E27FC236}">
-                <a16:creationId xmlns:a16="http://schemas.microsoft.com/office/drawing/2014/main" id="{9247EAF7-2AFD-411B-9424-4353DDC91964}"/>
+                <a16:creationId xmlns:a16="http://schemas.microsoft.com/office/drawing/2014/main" id="{E08917A8-C6A9-4778-B41F-931023A9D8B2}"/>
               </a:ext>
             </a:extLst>
           </p:cNvPr>
@@ -2693,7 +2693,7 @@
           <a:bodyPr/>
           <a:lstStyle/>
           <a:p>
-            <a:fld id="{03D4C52A-9DA9-4037-80ED-EC87EB5B2B27}" type="slidenum">
+            <a:fld id="{57EDFCF4-0AA6-41BE-BA99-7C42C49E93FA}" type="slidenum">
               <a:rPr kumimoji="1" lang="ja-JP" altLang="en-US" smtClean="0"/>
               <a:t>‹#›</a:t>
             </a:fld>
@@ -2704,7 +2704,7 @@
     </p:spTree>
     <p:extLst>
       <p:ext uri="{BB962C8B-B14F-4D97-AF65-F5344CB8AC3E}">
-        <p14:creationId xmlns:p14="http://schemas.microsoft.com/office/powerpoint/2010/main" val="2559985785"/>
+        <p14:creationId xmlns:p14="http://schemas.microsoft.com/office/powerpoint/2010/main" val="3182034736"/>
       </p:ext>
     </p:extLst>
   </p:cSld>
@@ -2736,7 +2736,7 @@
           <p:cNvPr id="2" name="タイトル 1">
             <a:extLst>
               <a:ext uri="{FF2B5EF4-FFF2-40B4-BE49-F238E27FC236}">
-                <a16:creationId xmlns:a16="http://schemas.microsoft.com/office/drawing/2014/main" id="{53FAEC3C-07E2-4573-A31C-512ADAC7403A}"/>
+                <a16:creationId xmlns:a16="http://schemas.microsoft.com/office/drawing/2014/main" id="{E068F4E1-DBBA-479D-B8E9-D2C4D2E06C7E}"/>
               </a:ext>
             </a:extLst>
           </p:cNvPr>
@@ -2773,7 +2773,7 @@
           <p:cNvPr id="3" name="図プレースホルダー 2">
             <a:extLst>
               <a:ext uri="{FF2B5EF4-FFF2-40B4-BE49-F238E27FC236}">
-                <a16:creationId xmlns:a16="http://schemas.microsoft.com/office/drawing/2014/main" id="{F320EAED-393F-4037-8793-FC888CB319DE}"/>
+                <a16:creationId xmlns:a16="http://schemas.microsoft.com/office/drawing/2014/main" id="{E4FA250E-747D-4321-9412-36982EA942FC}"/>
               </a:ext>
             </a:extLst>
           </p:cNvPr>
@@ -2840,7 +2840,7 @@
           <p:cNvPr id="4" name="テキスト プレースホルダー 3">
             <a:extLst>
               <a:ext uri="{FF2B5EF4-FFF2-40B4-BE49-F238E27FC236}">
-                <a16:creationId xmlns:a16="http://schemas.microsoft.com/office/drawing/2014/main" id="{5B1C3E76-3052-4C63-9017-1E13F18405D1}"/>
+                <a16:creationId xmlns:a16="http://schemas.microsoft.com/office/drawing/2014/main" id="{C94133CC-6A87-4D88-95A2-EB2125F6A998}"/>
               </a:ext>
             </a:extLst>
           </p:cNvPr>
@@ -2911,7 +2911,7 @@
           <p:cNvPr id="5" name="日付プレースホルダー 4">
             <a:extLst>
               <a:ext uri="{FF2B5EF4-FFF2-40B4-BE49-F238E27FC236}">
-                <a16:creationId xmlns:a16="http://schemas.microsoft.com/office/drawing/2014/main" id="{41555EE3-2D9D-4AF9-B1D4-BA4CBF4F0E00}"/>
+                <a16:creationId xmlns:a16="http://schemas.microsoft.com/office/drawing/2014/main" id="{65EE6E76-469D-4EA7-B663-1F9C6F226CBB}"/>
               </a:ext>
             </a:extLst>
           </p:cNvPr>
@@ -2927,7 +2927,7 @@
           <a:bodyPr/>
           <a:lstStyle/>
           <a:p>
-            <a:fld id="{9D43D6F9-EB01-444E-B375-52F2EC9986A8}" type="datetimeFigureOut">
+            <a:fld id="{B0AC61BB-3DFA-4B3C-8BB0-76BE215F031E}" type="datetimeFigureOut">
               <a:rPr kumimoji="1" lang="ja-JP" altLang="en-US" smtClean="0"/>
               <a:t>2026/2/6</a:t>
             </a:fld>
@@ -2940,7 +2940,7 @@
           <p:cNvPr id="6" name="フッター プレースホルダー 5">
             <a:extLst>
               <a:ext uri="{FF2B5EF4-FFF2-40B4-BE49-F238E27FC236}">
-                <a16:creationId xmlns:a16="http://schemas.microsoft.com/office/drawing/2014/main" id="{15350520-7B0B-41A8-A54E-4E3627756F63}"/>
+                <a16:creationId xmlns:a16="http://schemas.microsoft.com/office/drawing/2014/main" id="{DB4F34AC-1748-4C17-9B3C-183A878523DB}"/>
               </a:ext>
             </a:extLst>
           </p:cNvPr>
@@ -2965,7 +2965,7 @@
           <p:cNvPr id="7" name="スライド番号プレースホルダー 6">
             <a:extLst>
               <a:ext uri="{FF2B5EF4-FFF2-40B4-BE49-F238E27FC236}">
-                <a16:creationId xmlns:a16="http://schemas.microsoft.com/office/drawing/2014/main" id="{3F0CD0D1-35D0-4DF0-A440-14833A03315E}"/>
+                <a16:creationId xmlns:a16="http://schemas.microsoft.com/office/drawing/2014/main" id="{1742ECA1-843C-4AED-B1FE-32DAB787CB63}"/>
               </a:ext>
             </a:extLst>
           </p:cNvPr>
@@ -2981,7 +2981,7 @@
           <a:bodyPr/>
           <a:lstStyle/>
           <a:p>
-            <a:fld id="{03D4C52A-9DA9-4037-80ED-EC87EB5B2B27}" type="slidenum">
+            <a:fld id="{57EDFCF4-0AA6-41BE-BA99-7C42C49E93FA}" type="slidenum">
               <a:rPr kumimoji="1" lang="ja-JP" altLang="en-US" smtClean="0"/>
               <a:t>‹#›</a:t>
             </a:fld>
@@ -2992,7 +2992,7 @@
     </p:spTree>
     <p:extLst>
       <p:ext uri="{BB962C8B-B14F-4D97-AF65-F5344CB8AC3E}">
-        <p14:creationId xmlns:p14="http://schemas.microsoft.com/office/powerpoint/2010/main" val="116748869"/>
+        <p14:creationId xmlns:p14="http://schemas.microsoft.com/office/powerpoint/2010/main" val="503208381"/>
       </p:ext>
     </p:extLst>
   </p:cSld>
@@ -3029,7 +3029,7 @@
           <p:cNvPr id="2" name="タイトル プレースホルダー 1">
             <a:extLst>
               <a:ext uri="{FF2B5EF4-FFF2-40B4-BE49-F238E27FC236}">
-                <a16:creationId xmlns:a16="http://schemas.microsoft.com/office/drawing/2014/main" id="{9D5741F2-C92C-45BC-BF37-E8D6347F1EBB}"/>
+                <a16:creationId xmlns:a16="http://schemas.microsoft.com/office/drawing/2014/main" id="{E9311AE6-089D-4BC1-836D-CEBDDBAB6876}"/>
               </a:ext>
             </a:extLst>
           </p:cNvPr>
@@ -3067,7 +3067,7 @@
           <p:cNvPr id="3" name="テキスト プレースホルダー 2">
             <a:extLst>
               <a:ext uri="{FF2B5EF4-FFF2-40B4-BE49-F238E27FC236}">
-                <a16:creationId xmlns:a16="http://schemas.microsoft.com/office/drawing/2014/main" id="{7559C85E-B01A-4B34-8528-C0E5B165DC3C}"/>
+                <a16:creationId xmlns:a16="http://schemas.microsoft.com/office/drawing/2014/main" id="{383F3CDF-AFA6-455F-8367-B3FE6E9E5429}"/>
               </a:ext>
             </a:extLst>
           </p:cNvPr>
@@ -3166,7 +3166,7 @@
           <p:cNvPr id="4" name="日付プレースホルダー 3">
             <a:extLst>
               <a:ext uri="{FF2B5EF4-FFF2-40B4-BE49-F238E27FC236}">
-                <a16:creationId xmlns:a16="http://schemas.microsoft.com/office/drawing/2014/main" id="{EA2270FA-F156-4FA0-9F4F-60BE9622B533}"/>
+                <a16:creationId xmlns:a16="http://schemas.microsoft.com/office/drawing/2014/main" id="{C899F842-6319-4D68-A25D-79193C09D2B1}"/>
               </a:ext>
             </a:extLst>
           </p:cNvPr>
@@ -3200,7 +3200,7 @@
             </a:lvl1pPr>
           </a:lstStyle>
           <a:p>
-            <a:fld id="{9D43D6F9-EB01-444E-B375-52F2EC9986A8}" type="datetimeFigureOut">
+            <a:fld id="{B0AC61BB-3DFA-4B3C-8BB0-76BE215F031E}" type="datetimeFigureOut">
               <a:rPr kumimoji="1" lang="ja-JP" altLang="en-US" smtClean="0"/>
               <a:t>2026/2/6</a:t>
             </a:fld>
@@ -3213,7 +3213,7 @@
           <p:cNvPr id="5" name="フッター プレースホルダー 4">
             <a:extLst>
               <a:ext uri="{FF2B5EF4-FFF2-40B4-BE49-F238E27FC236}">
-                <a16:creationId xmlns:a16="http://schemas.microsoft.com/office/drawing/2014/main" id="{846F725A-5D2F-4286-978F-8C06743ED225}"/>
+                <a16:creationId xmlns:a16="http://schemas.microsoft.com/office/drawing/2014/main" id="{929F7571-8463-4D2E-85C0-29292ADA7C82}"/>
               </a:ext>
             </a:extLst>
           </p:cNvPr>
@@ -3256,7 +3256,7 @@
           <p:cNvPr id="6" name="スライド番号プレースホルダー 5">
             <a:extLst>
               <a:ext uri="{FF2B5EF4-FFF2-40B4-BE49-F238E27FC236}">
-                <a16:creationId xmlns:a16="http://schemas.microsoft.com/office/drawing/2014/main" id="{D9415718-E142-47DB-82F2-344A4896A3B9}"/>
+                <a16:creationId xmlns:a16="http://schemas.microsoft.com/office/drawing/2014/main" id="{C29FB1C2-0296-45E1-AE14-E0DDD04493AB}"/>
               </a:ext>
             </a:extLst>
           </p:cNvPr>
@@ -3290,7 +3290,7 @@
             </a:lvl1pPr>
           </a:lstStyle>
           <a:p>
-            <a:fld id="{03D4C52A-9DA9-4037-80ED-EC87EB5B2B27}" type="slidenum">
+            <a:fld id="{57EDFCF4-0AA6-41BE-BA99-7C42C49E93FA}" type="slidenum">
               <a:rPr kumimoji="1" lang="ja-JP" altLang="en-US" smtClean="0"/>
               <a:t>‹#›</a:t>
             </a:fld>
@@ -3301,7 +3301,7 @@
     </p:spTree>
     <p:extLst>
       <p:ext uri="{BB962C8B-B14F-4D97-AF65-F5344CB8AC3E}">
-        <p14:creationId xmlns:p14="http://schemas.microsoft.com/office/powerpoint/2010/main" val="1079083143"/>
+        <p14:creationId xmlns:p14="http://schemas.microsoft.com/office/powerpoint/2010/main" val="1106102768"/>
       </p:ext>
     </p:extLst>
   </p:cSld>
@@ -3621,10 +3621,10 @@
       </p:grpSpPr>
       <p:sp>
         <p:nvSpPr>
-          <p:cNvPr id="5" name="テキスト ボックス 4">
-            <a:extLst>
-              <a:ext uri="{FF2B5EF4-FFF2-40B4-BE49-F238E27FC236}">
-                <a16:creationId xmlns:a16="http://schemas.microsoft.com/office/drawing/2014/main" id="{0A11660E-E717-42B7-A5F2-95A24F1CB300}"/>
+          <p:cNvPr id="4" name="テキスト ボックス 3">
+            <a:extLst>
+              <a:ext uri="{FF2B5EF4-FFF2-40B4-BE49-F238E27FC236}">
+                <a16:creationId xmlns:a16="http://schemas.microsoft.com/office/drawing/2014/main" id="{335FD6EB-5A7B-4A62-B737-3FE6A88A2D67}"/>
               </a:ext>
             </a:extLst>
           </p:cNvPr>
@@ -3633,8 +3633,8 @@
         </p:nvSpPr>
         <p:spPr>
           <a:xfrm>
-            <a:off x="4521200" y="220133"/>
-            <a:ext cx="3149600" cy="769441"/>
+            <a:off x="135466" y="152400"/>
+            <a:ext cx="2523067" cy="400110"/>
           </a:xfrm>
           <a:prstGeom prst="rect">
             <a:avLst/>
@@ -3648,19 +3648,19 @@
           <a:lstStyle/>
           <a:p>
             <a:r>
-              <a:rPr kumimoji="1" lang="ja-JP" altLang="en-US" sz="4400" dirty="0"/>
-              <a:t>仕様書作成</a:t>
-            </a:r>
-            <a:endParaRPr kumimoji="1" lang="en-US" altLang="ja-JP" sz="4400" dirty="0"/>
-          </a:p>
-        </p:txBody>
-      </p:sp>
-      <p:sp>
-        <p:nvSpPr>
-          <p:cNvPr id="6" name="テキスト ボックス 5">
-            <a:extLst>
-              <a:ext uri="{FF2B5EF4-FFF2-40B4-BE49-F238E27FC236}">
-                <a16:creationId xmlns:a16="http://schemas.microsoft.com/office/drawing/2014/main" id="{8659F905-316F-40B8-90A6-D5F3C4882738}"/>
+              <a:rPr kumimoji="1" lang="ja-JP" altLang="en-US" sz="2000" dirty="0"/>
+              <a:t>敵について</a:t>
+            </a:r>
+            <a:endParaRPr kumimoji="1" lang="en-US" altLang="ja-JP" sz="2000" dirty="0"/>
+          </a:p>
+        </p:txBody>
+      </p:sp>
+      <p:sp>
+        <p:nvSpPr>
+          <p:cNvPr id="5" name="テキスト ボックス 4">
+            <a:extLst>
+              <a:ext uri="{FF2B5EF4-FFF2-40B4-BE49-F238E27FC236}">
+                <a16:creationId xmlns:a16="http://schemas.microsoft.com/office/drawing/2014/main" id="{E4809758-7E30-4D74-8F01-B821EE6F0615}"/>
               </a:ext>
             </a:extLst>
           </p:cNvPr>
@@ -3669,8 +3669,8 @@
         </p:nvSpPr>
         <p:spPr>
           <a:xfrm>
-            <a:off x="4682067" y="1500714"/>
-            <a:ext cx="2785534" cy="830997"/>
+            <a:off x="135466" y="552510"/>
+            <a:ext cx="11413066" cy="1754326"/>
           </a:xfrm>
           <a:prstGeom prst="rect">
             <a:avLst/>
@@ -3684,17 +3684,282 @@
           <a:lstStyle/>
           <a:p>
             <a:r>
-              <a:rPr lang="ja-JP" altLang="en-US" sz="4800" dirty="0"/>
-              <a:t>敵なのか</a:t>
-            </a:r>
-            <a:endParaRPr kumimoji="1" lang="ja-JP" altLang="en-US" sz="4800" dirty="0"/>
+              <a:rPr lang="en-US" altLang="ja-JP" dirty="0"/>
+              <a:t>※</a:t>
+            </a:r>
+            <a:r>
+              <a:rPr lang="ja-JP" altLang="en-US" dirty="0"/>
+              <a:t>随時追加予定</a:t>
+            </a:r>
+            <a:r>
+              <a:rPr lang="en-US" altLang="ja-JP" dirty="0"/>
+              <a:t>(</a:t>
+            </a:r>
+            <a:r>
+              <a:rPr lang="ja-JP" altLang="en-US" dirty="0"/>
+              <a:t>未定</a:t>
+            </a:r>
+            <a:r>
+              <a:rPr lang="en-US" altLang="ja-JP" dirty="0"/>
+              <a:t>)</a:t>
+            </a:r>
+          </a:p>
+          <a:p>
+            <a:r>
+              <a:rPr kumimoji="1" lang="ja-JP" altLang="en-US" dirty="0"/>
+              <a:t>・以下の設定をできるようにする</a:t>
+            </a:r>
+            <a:endParaRPr kumimoji="1" lang="en-US" altLang="ja-JP" dirty="0"/>
+          </a:p>
+          <a:p>
+            <a:r>
+              <a:rPr lang="ja-JP" altLang="en-US" dirty="0"/>
+              <a:t>　・</a:t>
+            </a:r>
+            <a:r>
+              <a:rPr lang="en-US" altLang="ja-JP" dirty="0"/>
+              <a:t>HP (int)</a:t>
+            </a:r>
+          </a:p>
+          <a:p>
+            <a:r>
+              <a:rPr lang="ja-JP" altLang="en-US" dirty="0"/>
+              <a:t>　・キャラクターのサイズ</a:t>
+            </a:r>
+            <a:r>
+              <a:rPr lang="en-US" altLang="ja-JP" dirty="0"/>
+              <a:t>(</a:t>
+            </a:r>
+            <a:r>
+              <a:rPr lang="en-US" altLang="ja-JP" dirty="0" err="1"/>
+              <a:t>enum</a:t>
+            </a:r>
+            <a:r>
+              <a:rPr lang="en-US" altLang="ja-JP" dirty="0"/>
+              <a:t>)(ENEMY_SIZE_S)</a:t>
+            </a:r>
+          </a:p>
+          <a:p>
+            <a:r>
+              <a:rPr kumimoji="1" lang="ja-JP" altLang="en-US" dirty="0"/>
+              <a:t>　・基本</a:t>
+            </a:r>
+            <a:r>
+              <a:rPr lang="en-US" altLang="ja-JP" dirty="0"/>
+              <a:t>S</a:t>
+            </a:r>
+            <a:r>
+              <a:rPr lang="ja-JP" altLang="en-US" dirty="0"/>
+              <a:t>サイズ</a:t>
+            </a:r>
+            <a:endParaRPr lang="en-US" altLang="ja-JP" dirty="0"/>
+          </a:p>
+          <a:p>
+            <a:r>
+              <a:rPr kumimoji="1" lang="ja-JP" altLang="en-US" dirty="0"/>
+              <a:t>　・基本</a:t>
+            </a:r>
+            <a:r>
+              <a:rPr kumimoji="1" lang="en-US" altLang="ja-JP" dirty="0"/>
+              <a:t>,</a:t>
+            </a:r>
+            <a:r>
+              <a:rPr kumimoji="1" lang="ja-JP" altLang="en-US" dirty="0"/>
+              <a:t>敵はプレイヤーを追尾する</a:t>
+            </a:r>
+          </a:p>
+        </p:txBody>
+      </p:sp>
+      <p:sp>
+        <p:nvSpPr>
+          <p:cNvPr id="6" name="テキスト ボックス 5">
+            <a:extLst>
+              <a:ext uri="{FF2B5EF4-FFF2-40B4-BE49-F238E27FC236}">
+                <a16:creationId xmlns:a16="http://schemas.microsoft.com/office/drawing/2014/main" id="{FEFD845C-2C1E-44B4-BC67-50C20FDEF2A4}"/>
+              </a:ext>
+            </a:extLst>
+          </p:cNvPr>
+          <p:cNvSpPr txBox="1"/>
+          <p:nvPr/>
+        </p:nvSpPr>
+        <p:spPr>
+          <a:xfrm>
+            <a:off x="361949" y="4828163"/>
+            <a:ext cx="11506200" cy="1477328"/>
+          </a:xfrm>
+          <a:prstGeom prst="rect">
+            <a:avLst/>
+          </a:prstGeom>
+          <a:noFill/>
+        </p:spPr>
+        <p:txBody>
+          <a:bodyPr wrap="square" rtlCol="0">
+            <a:spAutoFit/>
+          </a:bodyPr>
+          <a:lstStyle/>
+          <a:p>
+            <a:r>
+              <a:rPr kumimoji="1" lang="ja-JP" altLang="en-US" dirty="0"/>
+              <a:t>・敵の種類</a:t>
+            </a:r>
+            <a:r>
+              <a:rPr kumimoji="1" lang="en-US" altLang="ja-JP" dirty="0"/>
+              <a:t>(</a:t>
+            </a:r>
+            <a:r>
+              <a:rPr kumimoji="1" lang="ja-JP" altLang="en-US" dirty="0"/>
+              <a:t>現在</a:t>
+            </a:r>
+            <a:r>
+              <a:rPr kumimoji="1" lang="en-US" altLang="ja-JP" dirty="0"/>
+              <a:t>4</a:t>
+            </a:r>
+            <a:r>
+              <a:rPr kumimoji="1" lang="ja-JP" altLang="en-US" dirty="0"/>
+              <a:t>種類</a:t>
+            </a:r>
+            <a:r>
+              <a:rPr kumimoji="1" lang="en-US" altLang="ja-JP" dirty="0"/>
+              <a:t>)</a:t>
+            </a:r>
+          </a:p>
+          <a:p>
+            <a:r>
+              <a:rPr kumimoji="1" lang="ja-JP" altLang="en-US" dirty="0"/>
+              <a:t>　・ヘルメット着用</a:t>
+            </a:r>
+            <a:endParaRPr kumimoji="1" lang="en-US" altLang="ja-JP" dirty="0"/>
+          </a:p>
+          <a:p>
+            <a:r>
+              <a:rPr kumimoji="1" lang="ja-JP" altLang="en-US" dirty="0"/>
+              <a:t>　・通常敵</a:t>
+            </a:r>
+            <a:endParaRPr kumimoji="1" lang="en-US" altLang="ja-JP" dirty="0"/>
+          </a:p>
+          <a:p>
+            <a:r>
+              <a:rPr lang="ja-JP" altLang="en-US" dirty="0"/>
+              <a:t>　・盾持ち</a:t>
+            </a:r>
+            <a:endParaRPr lang="en-US" altLang="ja-JP" dirty="0"/>
+          </a:p>
+          <a:p>
+            <a:r>
+              <a:rPr kumimoji="1" lang="ja-JP" altLang="en-US" dirty="0"/>
+              <a:t>　・黄色い敵</a:t>
+            </a:r>
+          </a:p>
+        </p:txBody>
+      </p:sp>
+      <p:sp>
+        <p:nvSpPr>
+          <p:cNvPr id="7" name="テキスト ボックス 6">
+            <a:extLst>
+              <a:ext uri="{FF2B5EF4-FFF2-40B4-BE49-F238E27FC236}">
+                <a16:creationId xmlns:a16="http://schemas.microsoft.com/office/drawing/2014/main" id="{298E67C3-59A0-4453-BB0B-32390227161C}"/>
+              </a:ext>
+            </a:extLst>
+          </p:cNvPr>
+          <p:cNvSpPr txBox="1"/>
+          <p:nvPr/>
+        </p:nvSpPr>
+        <p:spPr>
+          <a:xfrm>
+            <a:off x="361949" y="2750670"/>
+            <a:ext cx="8429625" cy="1200329"/>
+          </a:xfrm>
+          <a:prstGeom prst="rect">
+            <a:avLst/>
+          </a:prstGeom>
+          <a:noFill/>
+        </p:spPr>
+        <p:txBody>
+          <a:bodyPr wrap="square" rtlCol="0">
+            <a:spAutoFit/>
+          </a:bodyPr>
+          <a:lstStyle/>
+          <a:p>
+            <a:r>
+              <a:rPr lang="ja-JP" altLang="en-US" dirty="0"/>
+              <a:t>・以下のタイミングでダメージを受ける</a:t>
+            </a:r>
+            <a:endParaRPr lang="en-US" altLang="ja-JP" dirty="0"/>
+          </a:p>
+          <a:p>
+            <a:r>
+              <a:rPr kumimoji="1" lang="ja-JP" altLang="en-US" dirty="0"/>
+              <a:t>　・青の強化状態で踏まれたとき</a:t>
+            </a:r>
+            <a:endParaRPr kumimoji="1" lang="en-US" altLang="ja-JP" dirty="0"/>
+          </a:p>
+          <a:p>
+            <a:r>
+              <a:rPr lang="ja-JP" altLang="en-US" dirty="0"/>
+              <a:t>　・赤の強化状態の波動</a:t>
+            </a:r>
+            <a:r>
+              <a:rPr lang="en-US" altLang="ja-JP" dirty="0"/>
+              <a:t>(?)</a:t>
+            </a:r>
+            <a:r>
+              <a:rPr lang="ja-JP" altLang="en-US" dirty="0"/>
+              <a:t>で攻撃を受けたとき</a:t>
+            </a:r>
+            <a:endParaRPr lang="en-US" altLang="ja-JP" dirty="0"/>
+          </a:p>
+          <a:p>
+            <a:r>
+              <a:rPr kumimoji="1" lang="ja-JP" altLang="en-US" dirty="0"/>
+              <a:t>　</a:t>
+            </a:r>
+            <a:r>
+              <a:rPr lang="ja-JP" altLang="en-US" dirty="0"/>
+              <a:t>・黄色の強化状態の無敵の時に敵に触れたとき</a:t>
+            </a:r>
+            <a:endParaRPr kumimoji="1" lang="ja-JP" altLang="en-US" dirty="0"/>
+          </a:p>
+        </p:txBody>
+      </p:sp>
+      <p:sp>
+        <p:nvSpPr>
+          <p:cNvPr id="8" name="テキスト ボックス 7">
+            <a:extLst>
+              <a:ext uri="{FF2B5EF4-FFF2-40B4-BE49-F238E27FC236}">
+                <a16:creationId xmlns:a16="http://schemas.microsoft.com/office/drawing/2014/main" id="{6D11C49A-B343-4873-AA2B-6D13F455B056}"/>
+              </a:ext>
+            </a:extLst>
+          </p:cNvPr>
+          <p:cNvSpPr txBox="1"/>
+          <p:nvPr/>
+        </p:nvSpPr>
+        <p:spPr>
+          <a:xfrm>
+            <a:off x="361949" y="4248150"/>
+            <a:ext cx="9477375" cy="369332"/>
+          </a:xfrm>
+          <a:prstGeom prst="rect">
+            <a:avLst/>
+          </a:prstGeom>
+          <a:noFill/>
+        </p:spPr>
+        <p:txBody>
+          <a:bodyPr wrap="square" rtlCol="0">
+            <a:spAutoFit/>
+          </a:bodyPr>
+          <a:lstStyle/>
+          <a:p>
+            <a:r>
+              <a:rPr kumimoji="1" lang="ja-JP" altLang="en-US" dirty="0"/>
+              <a:t>・プレイヤーが死亡→リスタートしたとき敵も初期位置から開始</a:t>
+            </a:r>
           </a:p>
         </p:txBody>
       </p:sp>
     </p:spTree>
     <p:extLst>
       <p:ext uri="{BB962C8B-B14F-4D97-AF65-F5344CB8AC3E}">
-        <p14:creationId xmlns:p14="http://schemas.microsoft.com/office/powerpoint/2010/main" val="2326081503"/>
+        <p14:creationId xmlns:p14="http://schemas.microsoft.com/office/powerpoint/2010/main" val="2343324425"/>
       </p:ext>
     </p:extLst>
   </p:cSld>
@@ -3723,10 +3988,111 @@
       </p:grpSpPr>
       <p:sp>
         <p:nvSpPr>
+          <p:cNvPr id="3" name="字幕 2">
+            <a:extLst>
+              <a:ext uri="{FF2B5EF4-FFF2-40B4-BE49-F238E27FC236}">
+                <a16:creationId xmlns:a16="http://schemas.microsoft.com/office/drawing/2014/main" id="{31976E43-9E88-43EB-AE6A-919BACAC9E7E}"/>
+              </a:ext>
+            </a:extLst>
+          </p:cNvPr>
+          <p:cNvSpPr>
+            <a:spLocks noGrp="1"/>
+          </p:cNvSpPr>
+          <p:nvPr>
+            <p:ph type="subTitle" idx="1"/>
+          </p:nvPr>
+        </p:nvSpPr>
+        <p:spPr>
+          <a:xfrm>
+            <a:off x="1524000" y="1057835"/>
+            <a:ext cx="9144000" cy="4199965"/>
+          </a:xfrm>
+        </p:spPr>
+        <p:txBody>
+          <a:bodyPr/>
+          <a:lstStyle/>
+          <a:p>
+            <a:pPr marL="342900" indent="-342900" algn="l">
+              <a:buFont typeface="Arial" panose="020B0604020202020204" pitchFamily="34" charset="0"/>
+              <a:buChar char="•"/>
+            </a:pPr>
+            <a:r>
+              <a:rPr kumimoji="1" lang="ja-JP" altLang="en-US" dirty="0"/>
+              <a:t>敵は</a:t>
+            </a:r>
+            <a:r>
+              <a:rPr kumimoji="1" lang="en-US" altLang="ja-JP" dirty="0"/>
+              <a:t>4</a:t>
+            </a:r>
+            <a:r>
+              <a:rPr kumimoji="1" lang="ja-JP" altLang="en-US" dirty="0"/>
+              <a:t>種類</a:t>
+            </a:r>
+            <a:r>
+              <a:rPr lang="en-US" altLang="ja-JP" dirty="0"/>
+              <a:t>(</a:t>
+            </a:r>
+            <a:r>
+              <a:rPr lang="ja-JP" altLang="en-US" dirty="0"/>
+              <a:t>増える可能性あり</a:t>
+            </a:r>
+            <a:r>
+              <a:rPr lang="en-US" altLang="ja-JP" dirty="0"/>
+              <a:t>)</a:t>
+            </a:r>
+          </a:p>
+          <a:p>
+            <a:pPr marL="342900" indent="-342900" algn="l">
+              <a:buFont typeface="Arial" panose="020B0604020202020204" pitchFamily="34" charset="0"/>
+              <a:buChar char="•"/>
+            </a:pPr>
+            <a:r>
+              <a:rPr kumimoji="1" lang="ja-JP" altLang="en-US" dirty="0"/>
+              <a:t>当たり判定は</a:t>
+            </a:r>
+            <a:r>
+              <a:rPr lang="en-US" altLang="ja-JP" dirty="0"/>
+              <a:t>box</a:t>
+            </a:r>
+            <a:r>
+              <a:rPr lang="ja-JP" altLang="en-US" dirty="0"/>
+              <a:t>でつくる</a:t>
+            </a:r>
+            <a:endParaRPr lang="en-US" altLang="ja-JP" dirty="0"/>
+          </a:p>
+          <a:p>
+            <a:pPr marL="342900" indent="-342900" algn="l">
+              <a:buFont typeface="Arial" panose="020B0604020202020204" pitchFamily="34" charset="0"/>
+              <a:buChar char="•"/>
+            </a:pPr>
+            <a:r>
+              <a:rPr kumimoji="1" lang="ja-JP" altLang="en-US" dirty="0"/>
+              <a:t>プレイヤーが黄色状態の時以外は横からプレイヤーとぶつかるとプレイヤーが</a:t>
+            </a:r>
+            <a:r>
+              <a:rPr lang="ja-JP" altLang="en-US" dirty="0"/>
+              <a:t>死ぬ</a:t>
+            </a:r>
+            <a:endParaRPr lang="en-US" altLang="ja-JP" dirty="0"/>
+          </a:p>
+          <a:p>
+            <a:pPr marL="342900" indent="-342900" algn="l">
+              <a:buFont typeface="Arial" panose="020B0604020202020204" pitchFamily="34" charset="0"/>
+              <a:buChar char="•"/>
+            </a:pPr>
+            <a:r>
+              <a:rPr kumimoji="1" lang="ja-JP" altLang="en-US" dirty="0"/>
+              <a:t>プレイヤーが赤状態の時のみ敵をプレイヤーが踏むとプレイヤーが死ぬ</a:t>
+            </a:r>
+          </a:p>
+        </p:txBody>
+      </p:sp>
+      <p:sp>
+        <p:nvSpPr>
           <p:cNvPr id="4" name="テキスト ボックス 3">
             <a:extLst>
               <a:ext uri="{FF2B5EF4-FFF2-40B4-BE49-F238E27FC236}">
-                <a16:creationId xmlns:a16="http://schemas.microsoft.com/office/drawing/2014/main" id="{0F0C3DCC-1C57-49AD-9EB7-2B1C4B7AB572}"/>
+                <a16:creationId xmlns:a16="http://schemas.microsoft.com/office/drawing/2014/main" id="{0BD3E3C8-9947-4717-B1B0-E1C60CDE6213}"/>
               </a:ext>
             </a:extLst>
           </p:cNvPr>
@@ -3735,8 +4101,8 @@
         </p:nvSpPr>
         <p:spPr>
           <a:xfrm>
-            <a:off x="135466" y="152400"/>
-            <a:ext cx="2523067" cy="400110"/>
+            <a:off x="0" y="0"/>
+            <a:ext cx="2330824" cy="369332"/>
           </a:xfrm>
           <a:prstGeom prst="rect">
             <a:avLst/>
@@ -3750,318 +4116,17 @@
           <a:lstStyle/>
           <a:p>
             <a:r>
-              <a:rPr kumimoji="1" lang="ja-JP" altLang="en-US" sz="2000" dirty="0"/>
+              <a:rPr lang="ja-JP" altLang="en-US" u="sng" dirty="0"/>
               <a:t>敵について</a:t>
             </a:r>
-            <a:endParaRPr kumimoji="1" lang="en-US" altLang="ja-JP" sz="2000" dirty="0"/>
-          </a:p>
-        </p:txBody>
-      </p:sp>
-      <p:sp>
-        <p:nvSpPr>
-          <p:cNvPr id="5" name="テキスト ボックス 4">
-            <a:extLst>
-              <a:ext uri="{FF2B5EF4-FFF2-40B4-BE49-F238E27FC236}">
-                <a16:creationId xmlns:a16="http://schemas.microsoft.com/office/drawing/2014/main" id="{D247978F-CA24-4602-B7D8-CAD09A399908}"/>
-              </a:ext>
-            </a:extLst>
-          </p:cNvPr>
-          <p:cNvSpPr txBox="1"/>
-          <p:nvPr/>
-        </p:nvSpPr>
-        <p:spPr>
-          <a:xfrm>
-            <a:off x="135466" y="552510"/>
-            <a:ext cx="11413066" cy="1754326"/>
-          </a:xfrm>
-          <a:prstGeom prst="rect">
-            <a:avLst/>
-          </a:prstGeom>
-          <a:noFill/>
-        </p:spPr>
-        <p:txBody>
-          <a:bodyPr wrap="square" rtlCol="0">
-            <a:spAutoFit/>
-          </a:bodyPr>
-          <a:lstStyle/>
-          <a:p>
-            <a:r>
-              <a:rPr lang="en-US" altLang="ja-JP" dirty="0"/>
-              <a:t>※</a:t>
-            </a:r>
-            <a:r>
-              <a:rPr lang="ja-JP" altLang="en-US" dirty="0"/>
-              <a:t>随時追加予定</a:t>
-            </a:r>
-            <a:r>
-              <a:rPr lang="en-US" altLang="ja-JP" dirty="0"/>
-              <a:t>(</a:t>
-            </a:r>
-            <a:r>
-              <a:rPr lang="ja-JP" altLang="en-US" dirty="0"/>
-              <a:t>未定</a:t>
-            </a:r>
-            <a:r>
-              <a:rPr lang="en-US" altLang="ja-JP" dirty="0"/>
-              <a:t>)</a:t>
-            </a:r>
-          </a:p>
-          <a:p>
-            <a:r>
-              <a:rPr kumimoji="1" lang="ja-JP" altLang="en-US" dirty="0"/>
-              <a:t>・以下の設定をできるようにする</a:t>
-            </a:r>
-            <a:endParaRPr kumimoji="1" lang="en-US" altLang="ja-JP" dirty="0"/>
-          </a:p>
-          <a:p>
-            <a:r>
-              <a:rPr lang="ja-JP" altLang="en-US" dirty="0"/>
-              <a:t>　・</a:t>
-            </a:r>
-            <a:r>
-              <a:rPr lang="en-US" altLang="ja-JP" dirty="0"/>
-              <a:t>HP (int)</a:t>
-            </a:r>
-          </a:p>
-          <a:p>
-            <a:r>
-              <a:rPr lang="ja-JP" altLang="en-US" dirty="0"/>
-              <a:t>　・キャラクターのサイズ</a:t>
-            </a:r>
-            <a:r>
-              <a:rPr lang="en-US" altLang="ja-JP" dirty="0"/>
-              <a:t>(</a:t>
-            </a:r>
-            <a:r>
-              <a:rPr lang="en-US" altLang="ja-JP" dirty="0" err="1"/>
-              <a:t>enum</a:t>
-            </a:r>
-            <a:r>
-              <a:rPr lang="en-US" altLang="ja-JP" dirty="0"/>
-              <a:t>)(ENEMY_SIZE_S)</a:t>
-            </a:r>
-          </a:p>
-          <a:p>
-            <a:r>
-              <a:rPr kumimoji="1" lang="ja-JP" altLang="en-US" dirty="0"/>
-              <a:t>　・基本</a:t>
-            </a:r>
-            <a:r>
-              <a:rPr lang="en-US" altLang="ja-JP" dirty="0"/>
-              <a:t>S</a:t>
-            </a:r>
-            <a:r>
-              <a:rPr lang="ja-JP" altLang="en-US" dirty="0"/>
-              <a:t>サイズ</a:t>
-            </a:r>
-            <a:endParaRPr lang="en-US" altLang="ja-JP" dirty="0"/>
-          </a:p>
-          <a:p>
-            <a:r>
-              <a:rPr kumimoji="1" lang="ja-JP" altLang="en-US" dirty="0"/>
-              <a:t>　・基本</a:t>
-            </a:r>
-            <a:r>
-              <a:rPr kumimoji="1" lang="en-US" altLang="ja-JP" dirty="0"/>
-              <a:t>,</a:t>
-            </a:r>
-            <a:r>
-              <a:rPr kumimoji="1" lang="ja-JP" altLang="en-US" dirty="0"/>
-              <a:t>敵はプレイヤーを追尾する</a:t>
-            </a:r>
-          </a:p>
-        </p:txBody>
-      </p:sp>
-      <p:sp>
-        <p:nvSpPr>
-          <p:cNvPr id="6" name="テキスト ボックス 5">
-            <a:extLst>
-              <a:ext uri="{FF2B5EF4-FFF2-40B4-BE49-F238E27FC236}">
-                <a16:creationId xmlns:a16="http://schemas.microsoft.com/office/drawing/2014/main" id="{C859BAAA-C10A-4FFC-8973-1CEBBDE8BD23}"/>
-              </a:ext>
-            </a:extLst>
-          </p:cNvPr>
-          <p:cNvSpPr txBox="1"/>
-          <p:nvPr/>
-        </p:nvSpPr>
-        <p:spPr>
-          <a:xfrm>
-            <a:off x="361949" y="4828163"/>
-            <a:ext cx="11506200" cy="1477328"/>
-          </a:xfrm>
-          <a:prstGeom prst="rect">
-            <a:avLst/>
-          </a:prstGeom>
-          <a:noFill/>
-        </p:spPr>
-        <p:txBody>
-          <a:bodyPr wrap="square" rtlCol="0">
-            <a:spAutoFit/>
-          </a:bodyPr>
-          <a:lstStyle/>
-          <a:p>
-            <a:r>
-              <a:rPr kumimoji="1" lang="ja-JP" altLang="en-US" dirty="0"/>
-              <a:t>・敵の種類</a:t>
-            </a:r>
-            <a:r>
-              <a:rPr kumimoji="1" lang="en-US" altLang="ja-JP" dirty="0"/>
-              <a:t>(</a:t>
-            </a:r>
-            <a:r>
-              <a:rPr kumimoji="1" lang="ja-JP" altLang="en-US" dirty="0"/>
-              <a:t>現在</a:t>
-            </a:r>
-            <a:r>
-              <a:rPr kumimoji="1" lang="en-US" altLang="ja-JP" dirty="0"/>
-              <a:t>4</a:t>
-            </a:r>
-            <a:r>
-              <a:rPr kumimoji="1" lang="ja-JP" altLang="en-US" dirty="0"/>
-              <a:t>種類</a:t>
-            </a:r>
-            <a:r>
-              <a:rPr kumimoji="1" lang="en-US" altLang="ja-JP" dirty="0"/>
-              <a:t>)</a:t>
-            </a:r>
-          </a:p>
-          <a:p>
-            <a:r>
-              <a:rPr kumimoji="1" lang="ja-JP" altLang="en-US" dirty="0"/>
-              <a:t>　・ヘルメット着用</a:t>
-            </a:r>
-            <a:endParaRPr kumimoji="1" lang="en-US" altLang="ja-JP" dirty="0"/>
-          </a:p>
-          <a:p>
-            <a:r>
-              <a:rPr kumimoji="1" lang="ja-JP" altLang="en-US" dirty="0"/>
-              <a:t>　・通常敵</a:t>
-            </a:r>
-            <a:endParaRPr kumimoji="1" lang="en-US" altLang="ja-JP" dirty="0"/>
-          </a:p>
-          <a:p>
-            <a:r>
-              <a:rPr lang="ja-JP" altLang="en-US" dirty="0"/>
-              <a:t>　・盾持ち</a:t>
-            </a:r>
-            <a:endParaRPr lang="en-US" altLang="ja-JP" dirty="0"/>
-          </a:p>
-          <a:p>
-            <a:r>
-              <a:rPr kumimoji="1" lang="ja-JP" altLang="en-US" dirty="0"/>
-              <a:t>　・黄色い敵</a:t>
-            </a:r>
-          </a:p>
-        </p:txBody>
-      </p:sp>
-      <p:sp>
-        <p:nvSpPr>
-          <p:cNvPr id="3" name="テキスト ボックス 2">
-            <a:extLst>
-              <a:ext uri="{FF2B5EF4-FFF2-40B4-BE49-F238E27FC236}">
-                <a16:creationId xmlns:a16="http://schemas.microsoft.com/office/drawing/2014/main" id="{D676F4F0-24B3-407A-BF6A-741A94C4F1A8}"/>
-              </a:ext>
-            </a:extLst>
-          </p:cNvPr>
-          <p:cNvSpPr txBox="1"/>
-          <p:nvPr/>
-        </p:nvSpPr>
-        <p:spPr>
-          <a:xfrm>
-            <a:off x="361949" y="2750670"/>
-            <a:ext cx="8429625" cy="1200329"/>
-          </a:xfrm>
-          <a:prstGeom prst="rect">
-            <a:avLst/>
-          </a:prstGeom>
-          <a:noFill/>
-        </p:spPr>
-        <p:txBody>
-          <a:bodyPr wrap="square" rtlCol="0">
-            <a:spAutoFit/>
-          </a:bodyPr>
-          <a:lstStyle/>
-          <a:p>
-            <a:r>
-              <a:rPr lang="ja-JP" altLang="en-US" dirty="0"/>
-              <a:t>・以下のタイミングでダメージを受ける</a:t>
-            </a:r>
-            <a:endParaRPr lang="en-US" altLang="ja-JP" dirty="0"/>
-          </a:p>
-          <a:p>
-            <a:r>
-              <a:rPr kumimoji="1" lang="ja-JP" altLang="en-US" dirty="0"/>
-              <a:t>　・青の強化状態で踏まれたとき</a:t>
-            </a:r>
-            <a:endParaRPr kumimoji="1" lang="en-US" altLang="ja-JP" dirty="0"/>
-          </a:p>
-          <a:p>
-            <a:r>
-              <a:rPr lang="ja-JP" altLang="en-US" dirty="0"/>
-              <a:t>　・赤の強化状態の波動</a:t>
-            </a:r>
-            <a:r>
-              <a:rPr lang="en-US" altLang="ja-JP" dirty="0"/>
-              <a:t>(?)</a:t>
-            </a:r>
-            <a:r>
-              <a:rPr lang="ja-JP" altLang="en-US" dirty="0"/>
-              <a:t>で攻撃を受けたとき</a:t>
-            </a:r>
-            <a:endParaRPr lang="en-US" altLang="ja-JP" dirty="0"/>
-          </a:p>
-          <a:p>
-            <a:r>
-              <a:rPr kumimoji="1" lang="ja-JP" altLang="en-US" dirty="0"/>
-              <a:t>　</a:t>
-            </a:r>
-            <a:r>
-              <a:rPr lang="ja-JP" altLang="en-US" dirty="0"/>
-              <a:t>・黄色の強化状態の無敵の時に敵に触れたとき</a:t>
-            </a:r>
-            <a:endParaRPr kumimoji="1" lang="ja-JP" altLang="en-US" dirty="0"/>
-          </a:p>
-        </p:txBody>
-      </p:sp>
-      <p:sp>
-        <p:nvSpPr>
-          <p:cNvPr id="7" name="テキスト ボックス 6">
-            <a:extLst>
-              <a:ext uri="{FF2B5EF4-FFF2-40B4-BE49-F238E27FC236}">
-                <a16:creationId xmlns:a16="http://schemas.microsoft.com/office/drawing/2014/main" id="{06E671AD-A72A-4A6E-AAD5-44A2E1365F10}"/>
-              </a:ext>
-            </a:extLst>
-          </p:cNvPr>
-          <p:cNvSpPr txBox="1"/>
-          <p:nvPr/>
-        </p:nvSpPr>
-        <p:spPr>
-          <a:xfrm>
-            <a:off x="361949" y="4248150"/>
-            <a:ext cx="9477375" cy="369332"/>
-          </a:xfrm>
-          <a:prstGeom prst="rect">
-            <a:avLst/>
-          </a:prstGeom>
-          <a:noFill/>
-        </p:spPr>
-        <p:txBody>
-          <a:bodyPr wrap="square" rtlCol="0">
-            <a:spAutoFit/>
-          </a:bodyPr>
-          <a:lstStyle/>
-          <a:p>
-            <a:r>
-              <a:rPr kumimoji="1" lang="ja-JP" altLang="en-US" dirty="0"/>
-              <a:t>・プレイヤーが死亡→リスタートしたとき敵も初期位置から開始</a:t>
-            </a:r>
+            <a:endParaRPr kumimoji="1" lang="ja-JP" altLang="en-US" u="sng" dirty="0"/>
           </a:p>
         </p:txBody>
       </p:sp>
     </p:spTree>
     <p:extLst>
       <p:ext uri="{BB962C8B-B14F-4D97-AF65-F5344CB8AC3E}">
-        <p14:creationId xmlns:p14="http://schemas.microsoft.com/office/powerpoint/2010/main" val="4223480693"/>
+        <p14:creationId xmlns:p14="http://schemas.microsoft.com/office/powerpoint/2010/main" val="246067213"/>
       </p:ext>
     </p:extLst>
   </p:cSld>
@@ -4090,55 +4155,20 @@
       </p:grpSpPr>
       <p:sp>
         <p:nvSpPr>
-          <p:cNvPr id="2" name="タイトル 1">
-            <a:extLst>
-              <a:ext uri="{FF2B5EF4-FFF2-40B4-BE49-F238E27FC236}">
-                <a16:creationId xmlns:a16="http://schemas.microsoft.com/office/drawing/2014/main" id="{A2F1149C-E724-4520-AEBF-ED8594C51267}"/>
-              </a:ext>
-            </a:extLst>
-          </p:cNvPr>
-          <p:cNvSpPr>
-            <a:spLocks noGrp="1"/>
-          </p:cNvSpPr>
-          <p:nvPr>
-            <p:ph type="title"/>
-          </p:nvPr>
+          <p:cNvPr id="2" name="テキスト ボックス 1">
+            <a:extLst>
+              <a:ext uri="{FF2B5EF4-FFF2-40B4-BE49-F238E27FC236}">
+                <a16:creationId xmlns:a16="http://schemas.microsoft.com/office/drawing/2014/main" id="{B0C33FC6-8D4A-4542-8E82-894564BAD690}"/>
+              </a:ext>
+            </a:extLst>
+          </p:cNvPr>
+          <p:cNvSpPr txBox="1"/>
+          <p:nvPr/>
         </p:nvSpPr>
         <p:spPr>
           <a:xfrm>
             <a:off x="0" y="0"/>
-            <a:ext cx="1820333" cy="439207"/>
-          </a:xfrm>
-        </p:spPr>
-        <p:txBody>
-          <a:bodyPr>
-            <a:normAutofit/>
-          </a:bodyPr>
-          <a:lstStyle/>
-          <a:p>
-            <a:r>
-              <a:rPr kumimoji="1" lang="ja-JP" altLang="en-US" sz="1800" dirty="0"/>
-              <a:t>通常敵（仮）</a:t>
-            </a:r>
-          </a:p>
-        </p:txBody>
-      </p:sp>
-      <p:sp>
-        <p:nvSpPr>
-          <p:cNvPr id="4" name="テキスト ボックス 3">
-            <a:extLst>
-              <a:ext uri="{FF2B5EF4-FFF2-40B4-BE49-F238E27FC236}">
-                <a16:creationId xmlns:a16="http://schemas.microsoft.com/office/drawing/2014/main" id="{FB0E437F-8518-404C-9860-6DA8DFF5E5E4}"/>
-              </a:ext>
-            </a:extLst>
-          </p:cNvPr>
-          <p:cNvSpPr txBox="1"/>
-          <p:nvPr/>
-        </p:nvSpPr>
-        <p:spPr>
-          <a:xfrm>
-            <a:off x="491067" y="515407"/>
-            <a:ext cx="4436533" cy="369332"/>
+            <a:ext cx="2133600" cy="369332"/>
           </a:xfrm>
           <a:prstGeom prst="rect">
             <a:avLst/>
@@ -4152,18 +4182,18 @@
           <a:lstStyle/>
           <a:p>
             <a:r>
-              <a:rPr kumimoji="1" lang="ja-JP" altLang="en-US" dirty="0"/>
-              <a:t>歩いてどの強化状態の敵でも倒せるやつ</a:t>
-            </a:r>
-          </a:p>
-        </p:txBody>
-      </p:sp>
-      <p:sp>
-        <p:nvSpPr>
-          <p:cNvPr id="5" name="テキスト ボックス 4">
-            <a:extLst>
-              <a:ext uri="{FF2B5EF4-FFF2-40B4-BE49-F238E27FC236}">
-                <a16:creationId xmlns:a16="http://schemas.microsoft.com/office/drawing/2014/main" id="{4F92CF4C-398E-40DE-B186-1B6DF2A03F90}"/>
+              <a:rPr kumimoji="1" lang="ja-JP" altLang="en-US" u="sng" dirty="0"/>
+              <a:t>通常敵</a:t>
+            </a:r>
+          </a:p>
+        </p:txBody>
+      </p:sp>
+      <p:sp>
+        <p:nvSpPr>
+          <p:cNvPr id="3" name="テキスト ボックス 2">
+            <a:extLst>
+              <a:ext uri="{FF2B5EF4-FFF2-40B4-BE49-F238E27FC236}">
+                <a16:creationId xmlns:a16="http://schemas.microsoft.com/office/drawing/2014/main" id="{D61E2FC2-C515-4027-A099-B9B483040A23}"/>
               </a:ext>
             </a:extLst>
           </p:cNvPr>
@@ -4172,8 +4202,8 @@
         </p:nvSpPr>
         <p:spPr>
           <a:xfrm>
-            <a:off x="491067" y="973666"/>
-            <a:ext cx="5156200" cy="2031325"/>
+            <a:off x="1631577" y="1326776"/>
+            <a:ext cx="7691717" cy="1938992"/>
           </a:xfrm>
           <a:prstGeom prst="rect">
             <a:avLst/>
@@ -4187,50 +4217,53 @@
           <a:lstStyle/>
           <a:p>
             <a:r>
-              <a:rPr kumimoji="1" lang="ja-JP" altLang="en-US" dirty="0"/>
-              <a:t>■</a:t>
-            </a:r>
-            <a:r>
-              <a:rPr kumimoji="1" lang="en-US" altLang="ja-JP" dirty="0"/>
-              <a:t>2D</a:t>
-            </a:r>
-          </a:p>
-          <a:p>
-            <a:endParaRPr lang="en-US" altLang="ja-JP" dirty="0"/>
-          </a:p>
-          <a:p>
-            <a:r>
-              <a:rPr lang="ja-JP" altLang="en-US" dirty="0"/>
-              <a:t>・地面に沿って歩く</a:t>
-            </a:r>
-            <a:endParaRPr lang="en-US" altLang="ja-JP" dirty="0"/>
-          </a:p>
-          <a:p>
-            <a:endParaRPr lang="en-US" altLang="ja-JP" dirty="0"/>
-          </a:p>
-          <a:p>
-            <a:r>
-              <a:rPr lang="ja-JP" altLang="en-US" dirty="0"/>
-              <a:t>・壁や崖で折り返す</a:t>
-            </a:r>
-            <a:endParaRPr lang="en-US" altLang="ja-JP" dirty="0"/>
-          </a:p>
-          <a:p>
-            <a:endParaRPr lang="en-US" altLang="ja-JP" dirty="0"/>
-          </a:p>
-          <a:p>
-            <a:r>
-              <a:rPr lang="ja-JP" altLang="en-US" dirty="0"/>
-              <a:t>・どの強化状態でも簡単に倒せる</a:t>
-            </a:r>
-            <a:endParaRPr lang="en-US" altLang="ja-JP" dirty="0"/>
+              <a:rPr kumimoji="1" lang="ja-JP" altLang="en-US" sz="2400" dirty="0"/>
+              <a:t>これといった特徴はない</a:t>
+            </a:r>
+            <a:endParaRPr kumimoji="1" lang="en-US" altLang="ja-JP" sz="2400" dirty="0"/>
+          </a:p>
+          <a:p>
+            <a:endParaRPr lang="en-US" altLang="ja-JP" sz="2400" dirty="0"/>
+          </a:p>
+          <a:p>
+            <a:pPr marL="342900" indent="-342900">
+              <a:buFont typeface="Arial" panose="020B0604020202020204" pitchFamily="34" charset="0"/>
+              <a:buChar char="•"/>
+            </a:pPr>
+            <a:r>
+              <a:rPr lang="ja-JP" altLang="en-US" sz="2400" dirty="0"/>
+              <a:t>歩くだけ</a:t>
+            </a:r>
+            <a:endParaRPr lang="en-US" altLang="ja-JP" sz="2400" dirty="0"/>
+          </a:p>
+          <a:p>
+            <a:pPr marL="342900" indent="-342900">
+              <a:buFont typeface="Arial" panose="020B0604020202020204" pitchFamily="34" charset="0"/>
+              <a:buChar char="•"/>
+            </a:pPr>
+            <a:r>
+              <a:rPr kumimoji="1" lang="ja-JP" altLang="en-US" sz="2400" dirty="0"/>
+              <a:t>どの状態でも倒すことができる</a:t>
+            </a:r>
+            <a:endParaRPr kumimoji="1" lang="en-US" altLang="ja-JP" sz="2400" dirty="0"/>
+          </a:p>
+          <a:p>
+            <a:pPr marL="342900" indent="-342900">
+              <a:buFont typeface="Arial" panose="020B0604020202020204" pitchFamily="34" charset="0"/>
+              <a:buChar char="•"/>
+            </a:pPr>
+            <a:r>
+              <a:rPr lang="ja-JP" altLang="en-US" sz="2400" dirty="0"/>
+              <a:t>崖で折り返す</a:t>
+            </a:r>
+            <a:endParaRPr kumimoji="1" lang="ja-JP" altLang="en-US" sz="2400" dirty="0"/>
           </a:p>
         </p:txBody>
       </p:sp>
     </p:spTree>
     <p:extLst>
       <p:ext uri="{BB962C8B-B14F-4D97-AF65-F5344CB8AC3E}">
-        <p14:creationId xmlns:p14="http://schemas.microsoft.com/office/powerpoint/2010/main" val="345694433"/>
+        <p14:creationId xmlns:p14="http://schemas.microsoft.com/office/powerpoint/2010/main" val="3100388778"/>
       </p:ext>
     </p:extLst>
   </p:cSld>
@@ -4259,55 +4292,20 @@
       </p:grpSpPr>
       <p:sp>
         <p:nvSpPr>
-          <p:cNvPr id="2" name="タイトル 1">
-            <a:extLst>
-              <a:ext uri="{FF2B5EF4-FFF2-40B4-BE49-F238E27FC236}">
-                <a16:creationId xmlns:a16="http://schemas.microsoft.com/office/drawing/2014/main" id="{331C64E9-1CA5-4917-B927-DE9169E72F4B}"/>
-              </a:ext>
-            </a:extLst>
-          </p:cNvPr>
-          <p:cNvSpPr>
-            <a:spLocks noGrp="1"/>
-          </p:cNvSpPr>
-          <p:nvPr>
-            <p:ph type="title"/>
-          </p:nvPr>
+          <p:cNvPr id="2" name="テキスト ボックス 1">
+            <a:extLst>
+              <a:ext uri="{FF2B5EF4-FFF2-40B4-BE49-F238E27FC236}">
+                <a16:creationId xmlns:a16="http://schemas.microsoft.com/office/drawing/2014/main" id="{34C323C9-05FC-4335-A52A-EB4698F5ACD5}"/>
+              </a:ext>
+            </a:extLst>
+          </p:cNvPr>
+          <p:cNvSpPr txBox="1"/>
+          <p:nvPr/>
         </p:nvSpPr>
         <p:spPr>
           <a:xfrm>
-            <a:off x="0" y="118534"/>
-            <a:ext cx="2116667" cy="193674"/>
-          </a:xfrm>
-        </p:spPr>
-        <p:txBody>
-          <a:bodyPr>
-            <a:normAutofit fontScale="90000"/>
-          </a:bodyPr>
-          <a:lstStyle/>
-          <a:p>
-            <a:r>
-              <a:rPr kumimoji="1" lang="ja-JP" altLang="en-US" sz="1800" dirty="0"/>
-              <a:t>ヘルメット持ちの敵</a:t>
-            </a:r>
-          </a:p>
-        </p:txBody>
-      </p:sp>
-      <p:sp>
-        <p:nvSpPr>
-          <p:cNvPr id="4" name="テキスト ボックス 3">
-            <a:extLst>
-              <a:ext uri="{FF2B5EF4-FFF2-40B4-BE49-F238E27FC236}">
-                <a16:creationId xmlns:a16="http://schemas.microsoft.com/office/drawing/2014/main" id="{5EAEBC6D-86C4-4832-87E8-925BE61B541F}"/>
-              </a:ext>
-            </a:extLst>
-          </p:cNvPr>
-          <p:cNvSpPr txBox="1"/>
-          <p:nvPr/>
-        </p:nvSpPr>
-        <p:spPr>
-          <a:xfrm>
-            <a:off x="694267" y="541867"/>
-            <a:ext cx="10803466" cy="3139321"/>
+            <a:off x="0" y="0"/>
+            <a:ext cx="2725271" cy="369332"/>
           </a:xfrm>
           <a:prstGeom prst="rect">
             <a:avLst/>
@@ -4321,70 +4319,99 @@
           <a:lstStyle/>
           <a:p>
             <a:r>
-              <a:rPr lang="ja-JP" altLang="en-US" dirty="0"/>
-              <a:t>■</a:t>
-            </a:r>
-            <a:r>
-              <a:rPr kumimoji="1" lang="en-US" altLang="ja-JP" dirty="0"/>
-              <a:t>2D</a:t>
-            </a:r>
-          </a:p>
-          <a:p>
-            <a:r>
-              <a:rPr lang="ja-JP" altLang="en-US" dirty="0"/>
-              <a:t>・地面に沿って歩く</a:t>
-            </a:r>
-            <a:endParaRPr lang="en-US" altLang="ja-JP" dirty="0"/>
-          </a:p>
-          <a:p>
-            <a:endParaRPr kumimoji="1" lang="en-US" altLang="ja-JP" dirty="0"/>
-          </a:p>
-          <a:p>
-            <a:r>
-              <a:rPr kumimoji="1" lang="ja-JP" altLang="en-US" dirty="0"/>
-              <a:t>・壁や崖で折り返す</a:t>
-            </a:r>
-            <a:endParaRPr kumimoji="1" lang="en-US" altLang="ja-JP" dirty="0"/>
-          </a:p>
-          <a:p>
-            <a:endParaRPr lang="en-US" altLang="ja-JP" dirty="0"/>
-          </a:p>
-          <a:p>
-            <a:r>
-              <a:rPr lang="ja-JP" altLang="en-US" dirty="0"/>
-              <a:t>・ヘルメットを持っている</a:t>
-            </a:r>
-            <a:endParaRPr lang="en-US" altLang="ja-JP" dirty="0"/>
-          </a:p>
-          <a:p>
-            <a:endParaRPr lang="en-US" altLang="ja-JP" dirty="0"/>
-          </a:p>
-          <a:p>
-            <a:r>
-              <a:rPr lang="ja-JP" altLang="en-US" dirty="0"/>
-              <a:t>・青の強化状態で踏みつけて倒す事はできない</a:t>
-            </a:r>
-            <a:endParaRPr lang="en-US" altLang="ja-JP" dirty="0"/>
-          </a:p>
-          <a:p>
-            <a:endParaRPr lang="en-US" altLang="ja-JP" dirty="0"/>
-          </a:p>
-          <a:p>
-            <a:r>
-              <a:rPr lang="ja-JP" altLang="en-US" dirty="0"/>
-              <a:t>・赤や黄色の強化状態でなら倒せる</a:t>
-            </a:r>
-            <a:endParaRPr lang="en-US" altLang="ja-JP" dirty="0"/>
-          </a:p>
-          <a:p>
-            <a:endParaRPr lang="en-US" altLang="ja-JP" dirty="0"/>
+              <a:rPr kumimoji="1" lang="ja-JP" altLang="en-US" u="sng" dirty="0"/>
+              <a:t>ヘルメット敵</a:t>
+            </a:r>
+          </a:p>
+        </p:txBody>
+      </p:sp>
+      <p:sp>
+        <p:nvSpPr>
+          <p:cNvPr id="3" name="テキスト ボックス 2">
+            <a:extLst>
+              <a:ext uri="{FF2B5EF4-FFF2-40B4-BE49-F238E27FC236}">
+                <a16:creationId xmlns:a16="http://schemas.microsoft.com/office/drawing/2014/main" id="{9AF93C27-D6E3-4770-BFB3-5732BDCB30A7}"/>
+              </a:ext>
+            </a:extLst>
+          </p:cNvPr>
+          <p:cNvSpPr txBox="1"/>
+          <p:nvPr/>
+        </p:nvSpPr>
+        <p:spPr>
+          <a:xfrm>
+            <a:off x="2151529" y="968188"/>
+            <a:ext cx="7548283" cy="2308324"/>
+          </a:xfrm>
+          <a:prstGeom prst="rect">
+            <a:avLst/>
+          </a:prstGeom>
+          <a:noFill/>
+        </p:spPr>
+        <p:txBody>
+          <a:bodyPr wrap="square" rtlCol="0">
+            <a:spAutoFit/>
+          </a:bodyPr>
+          <a:lstStyle/>
+          <a:p>
+            <a:r>
+              <a:rPr kumimoji="1" lang="ja-JP" altLang="en-US" sz="2400" dirty="0"/>
+              <a:t>青いヘルメットを被った敵</a:t>
+            </a:r>
+            <a:endParaRPr kumimoji="1" lang="en-US" altLang="ja-JP" sz="2400" dirty="0"/>
+          </a:p>
+          <a:p>
+            <a:endParaRPr lang="en-US" altLang="ja-JP" sz="2400" dirty="0"/>
+          </a:p>
+          <a:p>
+            <a:pPr marL="342900" indent="-342900">
+              <a:buFont typeface="Arial" panose="020B0604020202020204" pitchFamily="34" charset="0"/>
+              <a:buChar char="•"/>
+            </a:pPr>
+            <a:r>
+              <a:rPr kumimoji="1" lang="ja-JP" altLang="en-US" sz="2400" dirty="0"/>
+              <a:t>基本の動きは通常敵と同じ</a:t>
+            </a:r>
+            <a:endParaRPr kumimoji="1" lang="en-US" altLang="ja-JP" sz="2400" dirty="0"/>
+          </a:p>
+          <a:p>
+            <a:pPr marL="342900" indent="-342900">
+              <a:buFont typeface="Arial" panose="020B0604020202020204" pitchFamily="34" charset="0"/>
+              <a:buChar char="•"/>
+            </a:pPr>
+            <a:r>
+              <a:rPr kumimoji="1" lang="ja-JP" altLang="en-US" sz="2400" dirty="0"/>
+              <a:t>青状態での踏みつけ攻撃で倒すことができない</a:t>
+            </a:r>
+            <a:endParaRPr kumimoji="1" lang="en-US" altLang="ja-JP" sz="2400" dirty="0"/>
+          </a:p>
+          <a:p>
+            <a:pPr marL="342900" indent="-342900">
+              <a:buFont typeface="Arial" panose="020B0604020202020204" pitchFamily="34" charset="0"/>
+              <a:buChar char="•"/>
+            </a:pPr>
+            <a:r>
+              <a:rPr lang="ja-JP" altLang="en-US" sz="2400" dirty="0"/>
+              <a:t>青状態で踏むとプレイヤーがちょっと跳ねる</a:t>
+            </a:r>
+            <a:endParaRPr kumimoji="1" lang="en-US" altLang="ja-JP" sz="2400" dirty="0"/>
+          </a:p>
+          <a:p>
+            <a:pPr marL="342900" indent="-342900">
+              <a:buFont typeface="Arial" panose="020B0604020202020204" pitchFamily="34" charset="0"/>
+              <a:buChar char="•"/>
+            </a:pPr>
+            <a:r>
+              <a:rPr lang="ja-JP" altLang="en-US" sz="2400" dirty="0"/>
+              <a:t>赤状態、黄色状態で倒すことができる</a:t>
+            </a:r>
+            <a:endParaRPr kumimoji="1" lang="ja-JP" altLang="en-US" sz="2400" dirty="0"/>
           </a:p>
         </p:txBody>
       </p:sp>
     </p:spTree>
     <p:extLst>
       <p:ext uri="{BB962C8B-B14F-4D97-AF65-F5344CB8AC3E}">
-        <p14:creationId xmlns:p14="http://schemas.microsoft.com/office/powerpoint/2010/main" val="4035887404"/>
+        <p14:creationId xmlns:p14="http://schemas.microsoft.com/office/powerpoint/2010/main" val="3004288623"/>
       </p:ext>
     </p:extLst>
   </p:cSld>
@@ -4413,55 +4440,20 @@
       </p:grpSpPr>
       <p:sp>
         <p:nvSpPr>
-          <p:cNvPr id="2" name="タイトル 1">
-            <a:extLst>
-              <a:ext uri="{FF2B5EF4-FFF2-40B4-BE49-F238E27FC236}">
-                <a16:creationId xmlns:a16="http://schemas.microsoft.com/office/drawing/2014/main" id="{5F90F19C-0767-485E-B0DD-C511BF3598C5}"/>
-              </a:ext>
-            </a:extLst>
-          </p:cNvPr>
-          <p:cNvSpPr>
-            <a:spLocks noGrp="1"/>
-          </p:cNvSpPr>
-          <p:nvPr>
-            <p:ph type="title"/>
-          </p:nvPr>
+          <p:cNvPr id="2" name="テキスト ボックス 1">
+            <a:extLst>
+              <a:ext uri="{FF2B5EF4-FFF2-40B4-BE49-F238E27FC236}">
+                <a16:creationId xmlns:a16="http://schemas.microsoft.com/office/drawing/2014/main" id="{F5078A32-B99A-4779-B7D7-ABFEB568C88C}"/>
+              </a:ext>
+            </a:extLst>
+          </p:cNvPr>
+          <p:cNvSpPr txBox="1"/>
+          <p:nvPr/>
         </p:nvSpPr>
         <p:spPr>
           <a:xfrm>
-            <a:off x="110067" y="119592"/>
-            <a:ext cx="1634067" cy="320674"/>
-          </a:xfrm>
-        </p:spPr>
-        <p:txBody>
-          <a:bodyPr>
-            <a:normAutofit fontScale="90000"/>
-          </a:bodyPr>
-          <a:lstStyle/>
-          <a:p>
-            <a:r>
-              <a:rPr kumimoji="1" lang="ja-JP" altLang="en-US" sz="2000" dirty="0"/>
-              <a:t>盾持ちの敵</a:t>
-            </a:r>
-          </a:p>
-        </p:txBody>
-      </p:sp>
-      <p:sp>
-        <p:nvSpPr>
-          <p:cNvPr id="4" name="テキスト ボックス 3">
-            <a:extLst>
-              <a:ext uri="{FF2B5EF4-FFF2-40B4-BE49-F238E27FC236}">
-                <a16:creationId xmlns:a16="http://schemas.microsoft.com/office/drawing/2014/main" id="{568B7A0A-6223-4A59-A052-B0D35A7BC0C1}"/>
-              </a:ext>
-            </a:extLst>
-          </p:cNvPr>
-          <p:cNvSpPr txBox="1"/>
-          <p:nvPr/>
-        </p:nvSpPr>
-        <p:spPr>
-          <a:xfrm>
-            <a:off x="626533" y="897467"/>
-            <a:ext cx="10930467" cy="2308324"/>
+            <a:off x="0" y="30488"/>
+            <a:ext cx="1936376" cy="369332"/>
           </a:xfrm>
           <a:prstGeom prst="rect">
             <a:avLst/>
@@ -4475,56 +4467,99 @@
           <a:lstStyle/>
           <a:p>
             <a:r>
-              <a:rPr kumimoji="1" lang="ja-JP" altLang="en-US" dirty="0"/>
-              <a:t>■</a:t>
-            </a:r>
-            <a:r>
-              <a:rPr kumimoji="1" lang="en-US" altLang="ja-JP" dirty="0"/>
-              <a:t>2D</a:t>
-            </a:r>
-          </a:p>
-          <a:p>
-            <a:r>
-              <a:rPr lang="ja-JP" altLang="en-US" dirty="0"/>
-              <a:t>・地面に沿って歩く</a:t>
-            </a:r>
-            <a:endParaRPr lang="en-US" altLang="ja-JP" dirty="0"/>
-          </a:p>
-          <a:p>
-            <a:endParaRPr kumimoji="1" lang="en-US" altLang="ja-JP" dirty="0"/>
-          </a:p>
-          <a:p>
-            <a:r>
-              <a:rPr kumimoji="1" lang="ja-JP" altLang="en-US" dirty="0"/>
-              <a:t>・壁や崖で折り返す</a:t>
-            </a:r>
-            <a:endParaRPr kumimoji="1" lang="en-US" altLang="ja-JP" dirty="0"/>
-          </a:p>
-          <a:p>
-            <a:endParaRPr lang="en-US" altLang="ja-JP" dirty="0"/>
-          </a:p>
-          <a:p>
-            <a:r>
-              <a:rPr lang="ja-JP" altLang="en-US" dirty="0"/>
-              <a:t>・盾を持っている</a:t>
-            </a:r>
-            <a:endParaRPr lang="en-US" altLang="ja-JP" dirty="0"/>
-          </a:p>
-          <a:p>
-            <a:endParaRPr kumimoji="1" lang="en-US" altLang="ja-JP" dirty="0"/>
-          </a:p>
-          <a:p>
-            <a:r>
-              <a:rPr kumimoji="1" lang="ja-JP" altLang="en-US" dirty="0"/>
-              <a:t>・赤の強化状態では倒されない</a:t>
-            </a:r>
+              <a:rPr kumimoji="1" lang="ja-JP" altLang="en-US" u="sng" dirty="0"/>
+              <a:t>盾を持った敵</a:t>
+            </a:r>
+          </a:p>
+        </p:txBody>
+      </p:sp>
+      <p:sp>
+        <p:nvSpPr>
+          <p:cNvPr id="4" name="テキスト ボックス 3">
+            <a:extLst>
+              <a:ext uri="{FF2B5EF4-FFF2-40B4-BE49-F238E27FC236}">
+                <a16:creationId xmlns:a16="http://schemas.microsoft.com/office/drawing/2014/main" id="{41F1CB59-92A8-496B-95B0-D636B1C45BA2}"/>
+              </a:ext>
+            </a:extLst>
+          </p:cNvPr>
+          <p:cNvSpPr txBox="1"/>
+          <p:nvPr/>
+        </p:nvSpPr>
+        <p:spPr>
+          <a:xfrm>
+            <a:off x="1936376" y="1219200"/>
+            <a:ext cx="8910918" cy="2308324"/>
+          </a:xfrm>
+          <a:prstGeom prst="rect">
+            <a:avLst/>
+          </a:prstGeom>
+          <a:noFill/>
+        </p:spPr>
+        <p:txBody>
+          <a:bodyPr wrap="square" rtlCol="0">
+            <a:spAutoFit/>
+          </a:bodyPr>
+          <a:lstStyle/>
+          <a:p>
+            <a:r>
+              <a:rPr kumimoji="1" lang="ja-JP" altLang="en-US" sz="2400" dirty="0"/>
+              <a:t>赤い盾を持った敵</a:t>
+            </a:r>
+            <a:endParaRPr kumimoji="1" lang="en-US" altLang="ja-JP" sz="2400" dirty="0"/>
+          </a:p>
+          <a:p>
+            <a:endParaRPr lang="en-US" altLang="ja-JP" sz="2400" dirty="0"/>
+          </a:p>
+          <a:p>
+            <a:pPr marL="342900" indent="-342900">
+              <a:buFont typeface="Arial" panose="020B0604020202020204" pitchFamily="34" charset="0"/>
+              <a:buChar char="•"/>
+            </a:pPr>
+            <a:r>
+              <a:rPr kumimoji="1" lang="ja-JP" altLang="en-US" sz="2400" dirty="0"/>
+              <a:t>基本の動きは通常敵と同じ</a:t>
+            </a:r>
+            <a:endParaRPr kumimoji="1" lang="en-US" altLang="ja-JP" sz="2400" dirty="0"/>
+          </a:p>
+          <a:p>
+            <a:pPr marL="342900" indent="-342900">
+              <a:buFont typeface="Arial" panose="020B0604020202020204" pitchFamily="34" charset="0"/>
+              <a:buChar char="•"/>
+            </a:pPr>
+            <a:r>
+              <a:rPr kumimoji="1" lang="ja-JP" altLang="en-US" sz="2400" dirty="0"/>
+              <a:t>赤状態の攻撃で倒すことができない</a:t>
+            </a:r>
+            <a:endParaRPr kumimoji="1" lang="en-US" altLang="ja-JP" sz="2400" dirty="0"/>
+          </a:p>
+          <a:p>
+            <a:pPr marL="342900" indent="-342900">
+              <a:buFont typeface="Arial" panose="020B0604020202020204" pitchFamily="34" charset="0"/>
+              <a:buChar char="•"/>
+            </a:pPr>
+            <a:r>
+              <a:rPr kumimoji="1" lang="ja-JP" altLang="en-US" sz="2400" dirty="0"/>
+              <a:t>赤状態で攻撃すると敵が少しノックバックする</a:t>
+            </a:r>
+            <a:endParaRPr kumimoji="1" lang="en-US" altLang="ja-JP" sz="2400" dirty="0"/>
+          </a:p>
+          <a:p>
+            <a:pPr marL="342900" indent="-342900">
+              <a:buFont typeface="Arial" panose="020B0604020202020204" pitchFamily="34" charset="0"/>
+              <a:buChar char="•"/>
+            </a:pPr>
+            <a:r>
+              <a:rPr lang="ja-JP" altLang="en-US" sz="2400" dirty="0"/>
+              <a:t>青状態、黄色状態で倒しことができる</a:t>
+            </a:r>
+            <a:endParaRPr lang="en-US" altLang="ja-JP" sz="2400" dirty="0"/>
           </a:p>
         </p:txBody>
       </p:sp>
     </p:spTree>
     <p:extLst>
       <p:ext uri="{BB962C8B-B14F-4D97-AF65-F5344CB8AC3E}">
-        <p14:creationId xmlns:p14="http://schemas.microsoft.com/office/powerpoint/2010/main" val="2885742047"/>
+        <p14:creationId xmlns:p14="http://schemas.microsoft.com/office/powerpoint/2010/main" val="2858108463"/>
       </p:ext>
     </p:extLst>
   </p:cSld>
@@ -4553,55 +4588,20 @@
       </p:grpSpPr>
       <p:sp>
         <p:nvSpPr>
-          <p:cNvPr id="2" name="タイトル 1">
-            <a:extLst>
-              <a:ext uri="{FF2B5EF4-FFF2-40B4-BE49-F238E27FC236}">
-                <a16:creationId xmlns:a16="http://schemas.microsoft.com/office/drawing/2014/main" id="{96EC39CF-2B55-4137-80B9-8DB0E0DC1D6C}"/>
-              </a:ext>
-            </a:extLst>
-          </p:cNvPr>
-          <p:cNvSpPr>
-            <a:spLocks noGrp="1"/>
-          </p:cNvSpPr>
-          <p:nvPr>
-            <p:ph type="title"/>
-          </p:nvPr>
+          <p:cNvPr id="2" name="テキスト ボックス 1">
+            <a:extLst>
+              <a:ext uri="{FF2B5EF4-FFF2-40B4-BE49-F238E27FC236}">
+                <a16:creationId xmlns:a16="http://schemas.microsoft.com/office/drawing/2014/main" id="{8F85AA3F-2CDC-4DCD-ABA0-47A8EB37F850}"/>
+              </a:ext>
+            </a:extLst>
+          </p:cNvPr>
+          <p:cNvSpPr txBox="1"/>
+          <p:nvPr/>
         </p:nvSpPr>
         <p:spPr>
           <a:xfrm>
-            <a:off x="135467" y="136526"/>
-            <a:ext cx="1295400" cy="303741"/>
-          </a:xfrm>
-        </p:spPr>
-        <p:txBody>
-          <a:bodyPr>
-            <a:normAutofit fontScale="90000"/>
-          </a:bodyPr>
-          <a:lstStyle/>
-          <a:p>
-            <a:r>
-              <a:rPr kumimoji="1" lang="ja-JP" altLang="en-US" sz="2000" dirty="0"/>
-              <a:t>黄色の敵</a:t>
-            </a:r>
-          </a:p>
-        </p:txBody>
-      </p:sp>
-      <p:sp>
-        <p:nvSpPr>
-          <p:cNvPr id="4" name="テキスト ボックス 3">
-            <a:extLst>
-              <a:ext uri="{FF2B5EF4-FFF2-40B4-BE49-F238E27FC236}">
-                <a16:creationId xmlns:a16="http://schemas.microsoft.com/office/drawing/2014/main" id="{76F38E6B-174B-4D5F-B555-41D04C741A6A}"/>
-              </a:ext>
-            </a:extLst>
-          </p:cNvPr>
-          <p:cNvSpPr txBox="1"/>
-          <p:nvPr/>
-        </p:nvSpPr>
-        <p:spPr>
-          <a:xfrm>
-            <a:off x="516467" y="677333"/>
-            <a:ext cx="11032066" cy="2862322"/>
+            <a:off x="-1" y="0"/>
+            <a:ext cx="1792941" cy="369332"/>
           </a:xfrm>
           <a:prstGeom prst="rect">
             <a:avLst/>
@@ -4615,58 +4615,108 @@
           <a:lstStyle/>
           <a:p>
             <a:r>
-              <a:rPr kumimoji="1" lang="ja-JP" altLang="en-US" dirty="0"/>
-              <a:t>■</a:t>
-            </a:r>
-            <a:r>
-              <a:rPr kumimoji="1" lang="en-US" altLang="ja-JP" dirty="0"/>
-              <a:t>2D</a:t>
-            </a:r>
-          </a:p>
-          <a:p>
-            <a:r>
-              <a:rPr lang="ja-JP" altLang="en-US" dirty="0"/>
-              <a:t>・地面に沿って歩く</a:t>
-            </a:r>
-            <a:endParaRPr lang="en-US" altLang="ja-JP" dirty="0"/>
-          </a:p>
-          <a:p>
-            <a:endParaRPr kumimoji="1" lang="en-US" altLang="ja-JP" dirty="0"/>
-          </a:p>
-          <a:p>
-            <a:r>
-              <a:rPr kumimoji="1" lang="ja-JP" altLang="en-US" dirty="0"/>
-              <a:t>・壁や崖で折り返す</a:t>
-            </a:r>
-            <a:endParaRPr kumimoji="1" lang="en-US" altLang="ja-JP" dirty="0"/>
-          </a:p>
-          <a:p>
-            <a:endParaRPr lang="en-US" altLang="ja-JP" dirty="0"/>
-          </a:p>
-          <a:p>
-            <a:r>
-              <a:rPr lang="ja-JP" altLang="en-US" dirty="0"/>
-              <a:t>・黄色である</a:t>
-            </a:r>
-            <a:endParaRPr lang="en-US" altLang="ja-JP" dirty="0"/>
-          </a:p>
-          <a:p>
-            <a:endParaRPr lang="en-US" altLang="ja-JP" dirty="0"/>
-          </a:p>
-          <a:p>
-            <a:r>
-              <a:rPr lang="ja-JP" altLang="en-US" dirty="0"/>
-              <a:t>・赤や青のどちらの強化状態でも倒される</a:t>
-            </a:r>
-            <a:endParaRPr lang="en-US" altLang="ja-JP" dirty="0"/>
-          </a:p>
-          <a:p>
-            <a:endParaRPr kumimoji="1" lang="en-US" altLang="ja-JP" dirty="0"/>
-          </a:p>
-          <a:p>
-            <a:r>
-              <a:rPr kumimoji="1" lang="ja-JP" altLang="en-US" dirty="0"/>
-              <a:t>・倒されれば黄色の強化状態を付与</a:t>
+              <a:rPr kumimoji="1" lang="ja-JP" altLang="en-US" u="sng" dirty="0"/>
+              <a:t>黄色い敵</a:t>
+            </a:r>
+          </a:p>
+        </p:txBody>
+      </p:sp>
+      <p:sp>
+        <p:nvSpPr>
+          <p:cNvPr id="3" name="テキスト ボックス 2">
+            <a:extLst>
+              <a:ext uri="{FF2B5EF4-FFF2-40B4-BE49-F238E27FC236}">
+                <a16:creationId xmlns:a16="http://schemas.microsoft.com/office/drawing/2014/main" id="{3E508813-0548-4978-AB8A-C03EFEE7161B}"/>
+              </a:ext>
+            </a:extLst>
+          </p:cNvPr>
+          <p:cNvSpPr txBox="1"/>
+          <p:nvPr/>
+        </p:nvSpPr>
+        <p:spPr>
+          <a:xfrm>
+            <a:off x="1972235" y="988367"/>
+            <a:ext cx="7602071" cy="3046988"/>
+          </a:xfrm>
+          <a:prstGeom prst="rect">
+            <a:avLst/>
+          </a:prstGeom>
+          <a:noFill/>
+        </p:spPr>
+        <p:txBody>
+          <a:bodyPr wrap="square" rtlCol="0">
+            <a:spAutoFit/>
+          </a:bodyPr>
+          <a:lstStyle/>
+          <a:p>
+            <a:r>
+              <a:rPr kumimoji="1" lang="ja-JP" altLang="en-US" sz="2400" dirty="0"/>
+              <a:t>青いヘルメットを被った黄色い敵</a:t>
+            </a:r>
+            <a:endParaRPr kumimoji="1" lang="en-US" altLang="ja-JP" sz="2400" dirty="0"/>
+          </a:p>
+          <a:p>
+            <a:endParaRPr lang="en-US" altLang="ja-JP" sz="2400" dirty="0"/>
+          </a:p>
+          <a:p>
+            <a:pPr marL="342900" indent="-342900">
+              <a:buFont typeface="Arial" panose="020B0604020202020204" pitchFamily="34" charset="0"/>
+              <a:buChar char="•"/>
+            </a:pPr>
+            <a:r>
+              <a:rPr kumimoji="1" lang="ja-JP" altLang="en-US" sz="2400" dirty="0"/>
+              <a:t>他の敵と違い崖で折り返さず、そのまま落ちる</a:t>
+            </a:r>
+            <a:endParaRPr kumimoji="1" lang="en-US" altLang="ja-JP" sz="2400" dirty="0"/>
+          </a:p>
+          <a:p>
+            <a:pPr marL="342900" indent="-342900">
+              <a:buFont typeface="Arial" panose="020B0604020202020204" pitchFamily="34" charset="0"/>
+              <a:buChar char="•"/>
+            </a:pPr>
+            <a:r>
+              <a:rPr lang="ja-JP" altLang="en-US" sz="2400" dirty="0"/>
+              <a:t>出現率低め</a:t>
+            </a:r>
+            <a:endParaRPr lang="en-US" altLang="ja-JP" sz="2400" dirty="0"/>
+          </a:p>
+          <a:p>
+            <a:pPr marL="342900" indent="-342900">
+              <a:buFont typeface="Arial" panose="020B0604020202020204" pitchFamily="34" charset="0"/>
+              <a:buChar char="•"/>
+            </a:pPr>
+            <a:r>
+              <a:rPr kumimoji="1" lang="ja-JP" altLang="en-US" sz="2400" dirty="0"/>
+              <a:t>赤状態で一度攻撃をし、ヘルメットを剥がした後、</a:t>
+            </a:r>
+            <a:endParaRPr kumimoji="1" lang="en-US" altLang="ja-JP" sz="2400" dirty="0"/>
+          </a:p>
+          <a:p>
+            <a:r>
+              <a:rPr kumimoji="1" lang="ja-JP" altLang="en-US" sz="2400" dirty="0"/>
+              <a:t>　青状態で踏みつけることで倒せる</a:t>
+            </a:r>
+            <a:endParaRPr kumimoji="1" lang="en-US" altLang="ja-JP" sz="2400" dirty="0"/>
+          </a:p>
+          <a:p>
+            <a:pPr marL="342900" indent="-342900">
+              <a:buFont typeface="Arial" panose="020B0604020202020204" pitchFamily="34" charset="0"/>
+              <a:buChar char="•"/>
+            </a:pPr>
+            <a:r>
+              <a:rPr lang="ja-JP" altLang="en-US" sz="2400" dirty="0"/>
+              <a:t>黄色状態でも倒せる</a:t>
+            </a:r>
+            <a:endParaRPr lang="en-US" altLang="ja-JP" sz="2400" dirty="0"/>
+          </a:p>
+          <a:p>
+            <a:pPr marL="342900" indent="-342900">
+              <a:buFont typeface="Arial" panose="020B0604020202020204" pitchFamily="34" charset="0"/>
+              <a:buChar char="•"/>
+            </a:pPr>
+            <a:r>
+              <a:rPr kumimoji="1" lang="ja-JP" altLang="en-US" sz="2400" dirty="0"/>
+              <a:t>この敵を倒すことで黄色状態になれるようになる</a:t>
             </a:r>
           </a:p>
         </p:txBody>
@@ -4674,7 +4724,7 @@
     </p:spTree>
     <p:extLst>
       <p:ext uri="{BB962C8B-B14F-4D97-AF65-F5344CB8AC3E}">
-        <p14:creationId xmlns:p14="http://schemas.microsoft.com/office/powerpoint/2010/main" val="3910084509"/>
+        <p14:creationId xmlns:p14="http://schemas.microsoft.com/office/powerpoint/2010/main" val="3286206265"/>
       </p:ext>
     </p:extLst>
   </p:cSld>
@@ -4977,239 +5027,4 @@
     </a:ext>
   </a:extLst>
 </a:theme>
-</file>
-
-<file path=customXml/item1.xml><?xml version="1.0" encoding="utf-8"?>
-<p:properties xmlns:p="http://schemas.microsoft.com/office/2006/metadata/properties" xmlns:xsi="http://www.w3.org/2001/XMLSchema-instance" xmlns:pc="http://schemas.microsoft.com/office/infopath/2007/PartnerControls">
-  <documentManagement>
-    <_activity xmlns="0a79406d-1a90-40fa-b108-e693c35dd91f" xsi:nil="true"/>
-  </documentManagement>
-</p:properties>
-</file>
-
-<file path=customXml/item2.xml><?xml version="1.0" encoding="utf-8"?>
-<ct:contentTypeSchema xmlns:ct="http://schemas.microsoft.com/office/2006/metadata/contentType" xmlns:ma="http://schemas.microsoft.com/office/2006/metadata/properties/metaAttributes" ct:_="" ma:_="" ma:contentTypeName="ドキュメント" ma:contentTypeID="0x01010011C9E3C588DB1A499C703419DC2BFCE6" ma:contentTypeVersion="9" ma:contentTypeDescription="新しいドキュメントを作成します。" ma:contentTypeScope="" ma:versionID="39ea90a6b23b2ac7fae8ae913cdf729f">
-  <xsd:schema xmlns:xsd="http://www.w3.org/2001/XMLSchema" xmlns:xs="http://www.w3.org/2001/XMLSchema" xmlns:p="http://schemas.microsoft.com/office/2006/metadata/properties" xmlns:ns3="0a79406d-1a90-40fa-b108-e693c35dd91f" targetNamespace="http://schemas.microsoft.com/office/2006/metadata/properties" ma:root="true" ma:fieldsID="6c85464e5ddfaef0b819f1ed8b9ef169" ns3:_="">
-    <xsd:import namespace="0a79406d-1a90-40fa-b108-e693c35dd91f"/>
-    <xsd:element name="properties">
-      <xsd:complexType>
-        <xsd:sequence>
-          <xsd:element name="documentManagement">
-            <xsd:complexType>
-              <xsd:all>
-                <xsd:element ref="ns3:MediaServiceDateTaken" minOccurs="0"/>
-                <xsd:element ref="ns3:MediaServiceMetadata" minOccurs="0"/>
-                <xsd:element ref="ns3:MediaServiceFastMetadata" minOccurs="0"/>
-                <xsd:element ref="ns3:MediaServiceSearchProperties" minOccurs="0"/>
-                <xsd:element ref="ns3:_activity" minOccurs="0"/>
-                <xsd:element ref="ns3:MediaServiceSystemTags" minOccurs="0"/>
-                <xsd:element ref="ns3:MediaServiceOCR" minOccurs="0"/>
-                <xsd:element ref="ns3:MediaServiceGenerationTime" minOccurs="0"/>
-                <xsd:element ref="ns3:MediaServiceEventHashCode" minOccurs="0"/>
-              </xsd:all>
-            </xsd:complexType>
-          </xsd:element>
-        </xsd:sequence>
-      </xsd:complexType>
-    </xsd:element>
-  </xsd:schema>
-  <xsd:schema xmlns:xsd="http://www.w3.org/2001/XMLSchema" xmlns:xs="http://www.w3.org/2001/XMLSchema" xmlns:dms="http://schemas.microsoft.com/office/2006/documentManagement/types" xmlns:pc="http://schemas.microsoft.com/office/infopath/2007/PartnerControls" targetNamespace="0a79406d-1a90-40fa-b108-e693c35dd91f" elementFormDefault="qualified">
-    <xsd:import namespace="http://schemas.microsoft.com/office/2006/documentManagement/types"/>
-    <xsd:import namespace="http://schemas.microsoft.com/office/infopath/2007/PartnerControls"/>
-    <xsd:element name="MediaServiceDateTaken" ma:index="8" nillable="true" ma:displayName="MediaServiceDateTaken" ma:hidden="true" ma:indexed="true" ma:internalName="MediaServiceDateTaken" ma:readOnly="true">
-      <xsd:simpleType>
-        <xsd:restriction base="dms:Text"/>
-      </xsd:simpleType>
-    </xsd:element>
-    <xsd:element name="MediaServiceMetadata" ma:index="9" nillable="true" ma:displayName="MediaServiceMetadata" ma:hidden="true" ma:internalName="MediaServiceMetadata" ma:readOnly="true">
-      <xsd:simpleType>
-        <xsd:restriction base="dms:Note"/>
-      </xsd:simpleType>
-    </xsd:element>
-    <xsd:element name="MediaServiceFastMetadata" ma:index="10" nillable="true" ma:displayName="MediaServiceFastMetadata" ma:hidden="true" ma:internalName="MediaServiceFastMetadata" ma:readOnly="true">
-      <xsd:simpleType>
-        <xsd:restriction base="dms:Note"/>
-      </xsd:simpleType>
-    </xsd:element>
-    <xsd:element name="MediaServiceSearchProperties" ma:index="11" nillable="true" ma:displayName="MediaServiceSearchProperties" ma:hidden="true" ma:internalName="MediaServiceSearchProperties" ma:readOnly="true">
-      <xsd:simpleType>
-        <xsd:restriction base="dms:Note"/>
-      </xsd:simpleType>
-    </xsd:element>
-    <xsd:element name="_activity" ma:index="12" nillable="true" ma:displayName="_activity" ma:hidden="true" ma:internalName="_activity">
-      <xsd:simpleType>
-        <xsd:restriction base="dms:Note"/>
-      </xsd:simpleType>
-    </xsd:element>
-    <xsd:element name="MediaServiceSystemTags" ma:index="13" nillable="true" ma:displayName="MediaServiceSystemTags" ma:hidden="true" ma:internalName="MediaServiceSystemTags" ma:readOnly="true">
-      <xsd:simpleType>
-        <xsd:restriction base="dms:Note"/>
-      </xsd:simpleType>
-    </xsd:element>
-    <xsd:element name="MediaServiceOCR" ma:index="14" nillable="true" ma:displayName="Extracted Text" ma:internalName="MediaServiceOCR" ma:readOnly="true">
-      <xsd:simpleType>
-        <xsd:restriction base="dms:Note">
-          <xsd:maxLength value="255"/>
-        </xsd:restriction>
-      </xsd:simpleType>
-    </xsd:element>
-    <xsd:element name="MediaServiceGenerationTime" ma:index="15" nillable="true" ma:displayName="MediaServiceGenerationTime" ma:hidden="true" ma:internalName="MediaServiceGenerationTime" ma:readOnly="true">
-      <xsd:simpleType>
-        <xsd:restriction base="dms:Text"/>
-      </xsd:simpleType>
-    </xsd:element>
-    <xsd:element name="MediaServiceEventHashCode" ma:index="16" nillable="true" ma:displayName="MediaServiceEventHashCode" ma:hidden="true" ma:internalName="MediaServiceEventHashCode" ma:readOnly="true">
-      <xsd:simpleType>
-        <xsd:restriction base="dms:Text"/>
-      </xsd:simpleType>
-    </xsd:element>
-  </xsd:schema>
-  <xsd:schema xmlns="http://schemas.openxmlformats.org/package/2006/metadata/core-properties" xmlns:xsd="http://www.w3.org/2001/XMLSchema" xmlns:xsi="http://www.w3.org/2001/XMLSchema-instance" xmlns:dc="http://purl.org/dc/elements/1.1/" xmlns:dcterms="http://purl.org/dc/terms/" xmlns:odoc="http://schemas.microsoft.com/internal/obd" targetNamespace="http://schemas.openxmlformats.org/package/2006/metadata/core-properties" elementFormDefault="qualified" attributeFormDefault="unqualified" blockDefault="#all">
-    <xsd:import namespace="http://purl.org/dc/elements/1.1/" schemaLocation="http://dublincore.org/schemas/xmls/qdc/2003/04/02/dc.xsd"/>
-    <xsd:import namespace="http://purl.org/dc/terms/" schemaLocation="http://dublincore.org/schemas/xmls/qdc/2003/04/02/dcterms.xsd"/>
-    <xsd:element name="coreProperties" type="CT_coreProperties"/>
-    <xsd:complexType name="CT_coreProperties">
-      <xsd:all>
-        <xsd:element ref="dc:creator" minOccurs="0" maxOccurs="1"/>
-        <xsd:element ref="dcterms:created" minOccurs="0" maxOccurs="1"/>
-        <xsd:element ref="dc:identifier" minOccurs="0" maxOccurs="1"/>
-        <xsd:element name="contentType" minOccurs="0" maxOccurs="1" type="xsd:string" ma:index="0" ma:displayName="コンテンツ タイプ"/>
-        <xsd:element ref="dc:title" minOccurs="0" maxOccurs="1" ma:index="4" ma:displayName="タイトル"/>
-        <xsd:element ref="dc:subject" minOccurs="0" maxOccurs="1"/>
-        <xsd:element ref="dc:description" minOccurs="0" maxOccurs="1"/>
-        <xsd:element name="keywords" minOccurs="0" maxOccurs="1" type="xsd:string"/>
-        <xsd:element ref="dc:language" minOccurs="0" maxOccurs="1"/>
-        <xsd:element name="category" minOccurs="0" maxOccurs="1" type="xsd:string"/>
-        <xsd:element name="version" minOccurs="0" maxOccurs="1" type="xsd:string"/>
-        <xsd:element name="revision" minOccurs="0" maxOccurs="1" type="xsd:string">
-          <xsd:annotation>
-            <xsd:documentation>
-                        This value indicates the number of saves or revisions. The application is responsible for updating this value after each revision.
-                    </xsd:documentation>
-          </xsd:annotation>
-        </xsd:element>
-        <xsd:element name="lastModifiedBy" minOccurs="0" maxOccurs="1" type="xsd:string"/>
-        <xsd:element ref="dcterms:modified" minOccurs="0" maxOccurs="1"/>
-        <xsd:element name="contentStatus" minOccurs="0" maxOccurs="1" type="xsd:string"/>
-      </xsd:all>
-    </xsd:complexType>
-  </xsd:schema>
-  <xs:schema xmlns:pc="http://schemas.microsoft.com/office/infopath/2007/PartnerControls" xmlns:xs="http://www.w3.org/2001/XMLSchema" targetNamespace="http://schemas.microsoft.com/office/infopath/2007/PartnerControls" elementFormDefault="qualified" attributeFormDefault="unqualified">
-    <xs:element name="Person">
-      <xs:complexType>
-        <xs:sequence>
-          <xs:element ref="pc:DisplayName" minOccurs="0"/>
-          <xs:element ref="pc:AccountId" minOccurs="0"/>
-          <xs:element ref="pc:AccountType" minOccurs="0"/>
-        </xs:sequence>
-      </xs:complexType>
-    </xs:element>
-    <xs:element name="DisplayName" type="xs:string"/>
-    <xs:element name="AccountId" type="xs:string"/>
-    <xs:element name="AccountType" type="xs:string"/>
-    <xs:element name="BDCAssociatedEntity">
-      <xs:complexType>
-        <xs:sequence>
-          <xs:element ref="pc:BDCEntity" minOccurs="0" maxOccurs="unbounded"/>
-        </xs:sequence>
-        <xs:attribute ref="pc:EntityNamespace"/>
-        <xs:attribute ref="pc:EntityName"/>
-        <xs:attribute ref="pc:SystemInstanceName"/>
-        <xs:attribute ref="pc:AssociationName"/>
-      </xs:complexType>
-    </xs:element>
-    <xs:attribute name="EntityNamespace" type="xs:string"/>
-    <xs:attribute name="EntityName" type="xs:string"/>
-    <xs:attribute name="SystemInstanceName" type="xs:string"/>
-    <xs:attribute name="AssociationName" type="xs:string"/>
-    <xs:element name="BDCEntity">
-      <xs:complexType>
-        <xs:sequence>
-          <xs:element ref="pc:EntityDisplayName" minOccurs="0"/>
-          <xs:element ref="pc:EntityInstanceReference" minOccurs="0"/>
-          <xs:element ref="pc:EntityId1" minOccurs="0"/>
-          <xs:element ref="pc:EntityId2" minOccurs="0"/>
-          <xs:element ref="pc:EntityId3" minOccurs="0"/>
-          <xs:element ref="pc:EntityId4" minOccurs="0"/>
-          <xs:element ref="pc:EntityId5" minOccurs="0"/>
-        </xs:sequence>
-      </xs:complexType>
-    </xs:element>
-    <xs:element name="EntityDisplayName" type="xs:string"/>
-    <xs:element name="EntityInstanceReference" type="xs:string"/>
-    <xs:element name="EntityId1" type="xs:string"/>
-    <xs:element name="EntityId2" type="xs:string"/>
-    <xs:element name="EntityId3" type="xs:string"/>
-    <xs:element name="EntityId4" type="xs:string"/>
-    <xs:element name="EntityId5" type="xs:string"/>
-    <xs:element name="Terms">
-      <xs:complexType>
-        <xs:sequence>
-          <xs:element ref="pc:TermInfo" minOccurs="0" maxOccurs="unbounded"/>
-        </xs:sequence>
-      </xs:complexType>
-    </xs:element>
-    <xs:element name="TermInfo">
-      <xs:complexType>
-        <xs:sequence>
-          <xs:element ref="pc:TermName" minOccurs="0"/>
-          <xs:element ref="pc:TermId" minOccurs="0"/>
-        </xs:sequence>
-      </xs:complexType>
-    </xs:element>
-    <xs:element name="TermName" type="xs:string"/>
-    <xs:element name="TermId" type="xs:string"/>
-  </xs:schema>
-</ct:contentTypeSchema>
-</file>
-
-<file path=customXml/item3.xml><?xml version="1.0" encoding="utf-8"?>
-<?mso-contentType ?>
-<FormTemplates xmlns="http://schemas.microsoft.com/sharepoint/v3/contenttype/forms">
-  <Display>DocumentLibraryForm</Display>
-  <Edit>DocumentLibraryForm</Edit>
-  <New>DocumentLibraryForm</New>
-</FormTemplates>
-</file>
-
-<file path=customXml/itemProps1.xml><?xml version="1.0" encoding="utf-8"?>
-<ds:datastoreItem xmlns:ds="http://schemas.openxmlformats.org/officeDocument/2006/customXml" ds:itemID="{8293A2B9-B42E-448C-8005-B3BADAFE1917}">
-  <ds:schemaRefs>
-    <ds:schemaRef ds:uri="http://www.w3.org/XML/1998/namespace"/>
-    <ds:schemaRef ds:uri="http://schemas.openxmlformats.org/package/2006/metadata/core-properties"/>
-    <ds:schemaRef ds:uri="http://purl.org/dc/terms/"/>
-    <ds:schemaRef ds:uri="http://purl.org/dc/elements/1.1/"/>
-    <ds:schemaRef ds:uri="http://schemas.microsoft.com/office/2006/documentManagement/types"/>
-    <ds:schemaRef ds:uri="http://purl.org/dc/dcmitype/"/>
-    <ds:schemaRef ds:uri="http://schemas.microsoft.com/office/infopath/2007/PartnerControls"/>
-    <ds:schemaRef ds:uri="0a79406d-1a90-40fa-b108-e693c35dd91f"/>
-    <ds:schemaRef ds:uri="http://schemas.microsoft.com/office/2006/metadata/properties"/>
-  </ds:schemaRefs>
-</ds:datastoreItem>
-</file>
-
-<file path=customXml/itemProps2.xml><?xml version="1.0" encoding="utf-8"?>
-<ds:datastoreItem xmlns:ds="http://schemas.openxmlformats.org/officeDocument/2006/customXml" ds:itemID="{8E7006C8-F5F1-474B-AB4B-C56E34E2A8AE}">
-  <ds:schemaRefs>
-    <ds:schemaRef ds:uri="http://schemas.microsoft.com/office/2006/metadata/contentType"/>
-    <ds:schemaRef ds:uri="http://schemas.microsoft.com/office/2006/metadata/properties/metaAttributes"/>
-    <ds:schemaRef ds:uri="http://www.w3.org/2001/XMLSchema"/>
-    <ds:schemaRef ds:uri="http://schemas.microsoft.com/office/2006/metadata/properties"/>
-    <ds:schemaRef ds:uri="0a79406d-1a90-40fa-b108-e693c35dd91f"/>
-    <ds:schemaRef ds:uri="http://schemas.microsoft.com/office/2006/documentManagement/types"/>
-    <ds:schemaRef ds:uri="http://schemas.microsoft.com/office/infopath/2007/PartnerControls"/>
-    <ds:schemaRef ds:uri="http://schemas.openxmlformats.org/package/2006/metadata/core-properties"/>
-    <ds:schemaRef ds:uri="http://purl.org/dc/elements/1.1/"/>
-    <ds:schemaRef ds:uri="http://purl.org/dc/terms/"/>
-    <ds:schemaRef ds:uri="http://schemas.microsoft.com/internal/obd"/>
-  </ds:schemaRefs>
-</ds:datastoreItem>
-</file>
-
-<file path=customXml/itemProps3.xml><?xml version="1.0" encoding="utf-8"?>
-<ds:datastoreItem xmlns:ds="http://schemas.openxmlformats.org/officeDocument/2006/customXml" ds:itemID="{7A810A4D-4FBF-482B-9C50-8859A7283F75}">
-  <ds:schemaRefs>
-    <ds:schemaRef ds:uri="http://schemas.microsoft.com/sharepoint/v3/contenttype/forms"/>
-  </ds:schemaRefs>
-</ds:datastoreItem>
 </file>
--- a/仕様書/敵.pptx
+++ b/仕様書/敵.pptx
@@ -3670,7 +3670,7 @@
         <p:spPr>
           <a:xfrm>
             <a:off x="135466" y="552510"/>
-            <a:ext cx="11413066" cy="1754326"/>
+            <a:ext cx="11413066" cy="1477328"/>
           </a:xfrm>
           <a:prstGeom prst="rect">
             <a:avLst/>
@@ -3736,37 +3736,23 @@
             </a:r>
             <a:r>
               <a:rPr lang="en-US" altLang="ja-JP" dirty="0"/>
-              <a:t>)(ENEMY_SIZE_S)</a:t>
+              <a:t>)(ENEMY_NORMAL,ENEMY_BLUE…</a:t>
+            </a:r>
+            <a:r>
+              <a:rPr lang="ja-JP" altLang="en-US" dirty="0"/>
+              <a:t>など</a:t>
+            </a:r>
+            <a:r>
+              <a:rPr lang="en-US" altLang="ja-JP" dirty="0"/>
+              <a:t>)</a:t>
             </a:r>
           </a:p>
           <a:p>
             <a:r>
               <a:rPr kumimoji="1" lang="ja-JP" altLang="en-US" dirty="0"/>
-              <a:t>　・基本</a:t>
-            </a:r>
-            <a:r>
-              <a:rPr lang="en-US" altLang="ja-JP" dirty="0"/>
-              <a:t>S</a:t>
-            </a:r>
-            <a:r>
-              <a:rPr lang="ja-JP" altLang="en-US" dirty="0"/>
-              <a:t>サイズ</a:t>
-            </a:r>
-            <a:endParaRPr lang="en-US" altLang="ja-JP" dirty="0"/>
-          </a:p>
-          <a:p>
-            <a:r>
-              <a:rPr kumimoji="1" lang="ja-JP" altLang="en-US" dirty="0"/>
-              <a:t>　・基本</a:t>
-            </a:r>
-            <a:r>
-              <a:rPr kumimoji="1" lang="en-US" altLang="ja-JP" dirty="0"/>
-              <a:t>,</a:t>
-            </a:r>
-            <a:r>
-              <a:rPr kumimoji="1" lang="ja-JP" altLang="en-US" dirty="0"/>
-              <a:t>敵はプレイヤーを追尾する</a:t>
-            </a:r>
+              <a:t>　・敵サイズはすべて統一</a:t>
+            </a:r>
+            <a:endParaRPr kumimoji="1" lang="en-US" altLang="ja-JP" dirty="0"/>
           </a:p>
         </p:txBody>
       </p:sp>
@@ -3826,14 +3812,18 @@
           <a:p>
             <a:r>
               <a:rPr kumimoji="1" lang="ja-JP" altLang="en-US" dirty="0"/>
-              <a:t>　・ヘルメット着用</a:t>
+              <a:t>　・通常敵　</a:t>
             </a:r>
             <a:endParaRPr kumimoji="1" lang="en-US" altLang="ja-JP" dirty="0"/>
           </a:p>
           <a:p>
             <a:r>
+              <a:rPr lang="ja-JP" altLang="en-US" dirty="0"/>
+              <a:t>　</a:t>
+            </a:r>
+            <a:r>
               <a:rPr kumimoji="1" lang="ja-JP" altLang="en-US" dirty="0"/>
-              <a:t>　・通常敵</a:t>
+              <a:t>・ヘルメット</a:t>
             </a:r>
             <a:endParaRPr kumimoji="1" lang="en-US" altLang="ja-JP" dirty="0"/>
           </a:p>
@@ -3889,22 +3879,14 @@
           <a:p>
             <a:r>
               <a:rPr kumimoji="1" lang="ja-JP" altLang="en-US" dirty="0"/>
-              <a:t>　・青の強化状態で踏まれたとき</a:t>
+              <a:t>　・ヘルメット持ちが青状態で踏まれたとき</a:t>
             </a:r>
             <a:endParaRPr kumimoji="1" lang="en-US" altLang="ja-JP" dirty="0"/>
           </a:p>
           <a:p>
             <a:r>
               <a:rPr lang="ja-JP" altLang="en-US" dirty="0"/>
-              <a:t>　・赤の強化状態の波動</a:t>
-            </a:r>
-            <a:r>
-              <a:rPr lang="en-US" altLang="ja-JP" dirty="0"/>
-              <a:t>(?)</a:t>
-            </a:r>
-            <a:r>
-              <a:rPr lang="ja-JP" altLang="en-US" dirty="0"/>
-              <a:t>で攻撃を受けたとき</a:t>
+              <a:t>　・盾持ちが赤状態で攻撃を受けたとき</a:t>
             </a:r>
             <a:endParaRPr lang="en-US" altLang="ja-JP" dirty="0"/>
           </a:p>
@@ -3915,7 +3897,7 @@
             </a:r>
             <a:r>
               <a:rPr lang="ja-JP" altLang="en-US" dirty="0"/>
-              <a:t>・黄色の強化状態の無敵の時に敵に触れたとき</a:t>
+              <a:t>・黄色状態で敵に触れたとき</a:t>
             </a:r>
             <a:endParaRPr kumimoji="1" lang="ja-JP" altLang="en-US" dirty="0"/>
           </a:p>
@@ -3951,7 +3933,7 @@
           <a:p>
             <a:r>
               <a:rPr kumimoji="1" lang="ja-JP" altLang="en-US" dirty="0"/>
-              <a:t>・プレイヤーが死亡→リスタートしたとき敵も初期位置から開始</a:t>
+              <a:t>・プレイヤーが死亡→初期位置から再始</a:t>
             </a:r>
           </a:p>
         </p:txBody>

--- a/仕様書/敵.pptx
+++ b/仕様書/敵.pptx
@@ -3879,14 +3879,18 @@
           <a:p>
             <a:r>
               <a:rPr kumimoji="1" lang="ja-JP" altLang="en-US" dirty="0"/>
-              <a:t>　・ヘルメット持ちが青状態で踏まれたとき</a:t>
+              <a:t>　・ヘルメット持ちが赤状態で</a:t>
+            </a:r>
+            <a:r>
+              <a:rPr lang="ja-JP" altLang="en-US" dirty="0"/>
+              <a:t>攻撃を受けたとき</a:t>
             </a:r>
             <a:endParaRPr kumimoji="1" lang="en-US" altLang="ja-JP" dirty="0"/>
           </a:p>
           <a:p>
             <a:r>
               <a:rPr lang="ja-JP" altLang="en-US" dirty="0"/>
-              <a:t>　・盾持ちが赤状態で攻撃を受けたとき</a:t>
+              <a:t>　・盾持ちが青状態で踏まれたとき</a:t>
             </a:r>
             <a:endParaRPr lang="en-US" altLang="ja-JP" dirty="0"/>
           </a:p>

--- a/仕様書/敵.pptx
+++ b/仕様書/敵.pptx
@@ -4536,7 +4536,7 @@
             </a:pPr>
             <a:r>
               <a:rPr lang="ja-JP" altLang="en-US" sz="2400" dirty="0"/>
-              <a:t>青状態、黄色状態で倒しことができる</a:t>
+              <a:t>青状態、黄色状態で倒すことができる</a:t>
             </a:r>
             <a:endParaRPr lang="en-US" altLang="ja-JP" sz="2400" dirty="0"/>
           </a:p>

--- a/仕様書/敵.pptx
+++ b/仕様書/敵.pptx
@@ -264,7 +264,7 @@
           <a:p>
             <a:fld id="{B0AC61BB-3DFA-4B3C-8BB0-76BE215F031E}" type="datetimeFigureOut">
               <a:rPr kumimoji="1" lang="ja-JP" altLang="en-US" smtClean="0"/>
-              <a:t>2026/2/6</a:t>
+              <a:t>2026/2/9</a:t>
             </a:fld>
             <a:endParaRPr kumimoji="1" lang="ja-JP" altLang="en-US"/>
           </a:p>
@@ -494,7 +494,7 @@
           <a:p>
             <a:fld id="{B0AC61BB-3DFA-4B3C-8BB0-76BE215F031E}" type="datetimeFigureOut">
               <a:rPr kumimoji="1" lang="ja-JP" altLang="en-US" smtClean="0"/>
-              <a:t>2026/2/6</a:t>
+              <a:t>2026/2/9</a:t>
             </a:fld>
             <a:endParaRPr kumimoji="1" lang="ja-JP" altLang="en-US"/>
           </a:p>
@@ -734,7 +734,7 @@
           <a:p>
             <a:fld id="{B0AC61BB-3DFA-4B3C-8BB0-76BE215F031E}" type="datetimeFigureOut">
               <a:rPr kumimoji="1" lang="ja-JP" altLang="en-US" smtClean="0"/>
-              <a:t>2026/2/6</a:t>
+              <a:t>2026/2/9</a:t>
             </a:fld>
             <a:endParaRPr kumimoji="1" lang="ja-JP" altLang="en-US"/>
           </a:p>
@@ -964,7 +964,7 @@
           <a:p>
             <a:fld id="{B0AC61BB-3DFA-4B3C-8BB0-76BE215F031E}" type="datetimeFigureOut">
               <a:rPr kumimoji="1" lang="ja-JP" altLang="en-US" smtClean="0"/>
-              <a:t>2026/2/6</a:t>
+              <a:t>2026/2/9</a:t>
             </a:fld>
             <a:endParaRPr kumimoji="1" lang="ja-JP" altLang="en-US"/>
           </a:p>
@@ -1239,7 +1239,7 @@
           <a:p>
             <a:fld id="{B0AC61BB-3DFA-4B3C-8BB0-76BE215F031E}" type="datetimeFigureOut">
               <a:rPr kumimoji="1" lang="ja-JP" altLang="en-US" smtClean="0"/>
-              <a:t>2026/2/6</a:t>
+              <a:t>2026/2/9</a:t>
             </a:fld>
             <a:endParaRPr kumimoji="1" lang="ja-JP" altLang="en-US"/>
           </a:p>
@@ -1568,7 +1568,7 @@
           <a:p>
             <a:fld id="{B0AC61BB-3DFA-4B3C-8BB0-76BE215F031E}" type="datetimeFigureOut">
               <a:rPr kumimoji="1" lang="ja-JP" altLang="en-US" smtClean="0"/>
-              <a:t>2026/2/6</a:t>
+              <a:t>2026/2/9</a:t>
             </a:fld>
             <a:endParaRPr kumimoji="1" lang="ja-JP" altLang="en-US"/>
           </a:p>
@@ -2044,7 +2044,7 @@
           <a:p>
             <a:fld id="{B0AC61BB-3DFA-4B3C-8BB0-76BE215F031E}" type="datetimeFigureOut">
               <a:rPr kumimoji="1" lang="ja-JP" altLang="en-US" smtClean="0"/>
-              <a:t>2026/2/6</a:t>
+              <a:t>2026/2/9</a:t>
             </a:fld>
             <a:endParaRPr kumimoji="1" lang="ja-JP" altLang="en-US"/>
           </a:p>
@@ -2185,7 +2185,7 @@
           <a:p>
             <a:fld id="{B0AC61BB-3DFA-4B3C-8BB0-76BE215F031E}" type="datetimeFigureOut">
               <a:rPr kumimoji="1" lang="ja-JP" altLang="en-US" smtClean="0"/>
-              <a:t>2026/2/6</a:t>
+              <a:t>2026/2/9</a:t>
             </a:fld>
             <a:endParaRPr kumimoji="1" lang="ja-JP" altLang="en-US"/>
           </a:p>
@@ -2298,7 +2298,7 @@
           <a:p>
             <a:fld id="{B0AC61BB-3DFA-4B3C-8BB0-76BE215F031E}" type="datetimeFigureOut">
               <a:rPr kumimoji="1" lang="ja-JP" altLang="en-US" smtClean="0"/>
-              <a:t>2026/2/6</a:t>
+              <a:t>2026/2/9</a:t>
             </a:fld>
             <a:endParaRPr kumimoji="1" lang="ja-JP" altLang="en-US"/>
           </a:p>
@@ -2641,7 +2641,7 @@
           <a:p>
             <a:fld id="{B0AC61BB-3DFA-4B3C-8BB0-76BE215F031E}" type="datetimeFigureOut">
               <a:rPr kumimoji="1" lang="ja-JP" altLang="en-US" smtClean="0"/>
-              <a:t>2026/2/6</a:t>
+              <a:t>2026/2/9</a:t>
             </a:fld>
             <a:endParaRPr kumimoji="1" lang="ja-JP" altLang="en-US"/>
           </a:p>
@@ -2929,7 +2929,7 @@
           <a:p>
             <a:fld id="{B0AC61BB-3DFA-4B3C-8BB0-76BE215F031E}" type="datetimeFigureOut">
               <a:rPr kumimoji="1" lang="ja-JP" altLang="en-US" smtClean="0"/>
-              <a:t>2026/2/6</a:t>
+              <a:t>2026/2/9</a:t>
             </a:fld>
             <a:endParaRPr kumimoji="1" lang="ja-JP" altLang="en-US"/>
           </a:p>
@@ -3202,7 +3202,7 @@
           <a:p>
             <a:fld id="{B0AC61BB-3DFA-4B3C-8BB0-76BE215F031E}" type="datetimeFigureOut">
               <a:rPr kumimoji="1" lang="ja-JP" altLang="en-US" smtClean="0"/>
-              <a:t>2026/2/6</a:t>
+              <a:t>2026/2/9</a:t>
             </a:fld>
             <a:endParaRPr kumimoji="1" lang="ja-JP" altLang="en-US"/>
           </a:p>
@@ -3670,7 +3670,7 @@
         <p:spPr>
           <a:xfrm>
             <a:off x="135466" y="552510"/>
-            <a:ext cx="11413066" cy="1477328"/>
+            <a:ext cx="11413066" cy="1754326"/>
           </a:xfrm>
           <a:prstGeom prst="rect">
             <a:avLst/>
@@ -3724,6 +3724,16 @@
           <a:p>
             <a:r>
               <a:rPr lang="ja-JP" altLang="en-US" dirty="0"/>
+              <a:t>　・スコア</a:t>
+            </a:r>
+            <a:r>
+              <a:rPr lang="en-US" altLang="ja-JP" dirty="0"/>
+              <a:t>(int)</a:t>
+            </a:r>
+          </a:p>
+          <a:p>
+            <a:r>
+              <a:rPr lang="ja-JP" altLang="en-US" dirty="0"/>
               <a:t>　・キャラクターのサイズ</a:t>
             </a:r>
             <a:r>
@@ -3749,10 +3759,13 @@
           </a:p>
           <a:p>
             <a:r>
-              <a:rPr kumimoji="1" lang="ja-JP" altLang="en-US" dirty="0"/>
-              <a:t>　・敵サイズはすべて統一</a:t>
-            </a:r>
-            <a:endParaRPr kumimoji="1" lang="en-US" altLang="ja-JP" dirty="0"/>
+              <a:rPr lang="ja-JP" altLang="en-US" dirty="0"/>
+              <a:t>　・動く敵の速度はすべて統一</a:t>
+            </a:r>
+            <a:r>
+              <a:rPr lang="en-US" altLang="ja-JP" dirty="0"/>
+              <a:t>(float)</a:t>
+            </a:r>
           </a:p>
         </p:txBody>
       </p:sp>
@@ -3802,7 +3815,7 @@
             </a:r>
             <a:r>
               <a:rPr kumimoji="1" lang="ja-JP" altLang="en-US" dirty="0"/>
-              <a:t>種類</a:t>
+              <a:t>種類増える可能性アリ</a:t>
             </a:r>
             <a:r>
               <a:rPr kumimoji="1" lang="en-US" altLang="ja-JP" dirty="0"/>
@@ -4189,7 +4202,7 @@
         <p:spPr>
           <a:xfrm>
             <a:off x="1631577" y="1326776"/>
-            <a:ext cx="7691717" cy="1938992"/>
+            <a:ext cx="7691717" cy="2308324"/>
           </a:xfrm>
           <a:prstGeom prst="rect">
             <a:avLst/>
@@ -4241,6 +4254,25 @@
             <a:r>
               <a:rPr lang="ja-JP" altLang="en-US" sz="2400" dirty="0"/>
               <a:t>崖で折り返す</a:t>
+            </a:r>
+            <a:endParaRPr lang="en-US" altLang="ja-JP" sz="2400" dirty="0"/>
+          </a:p>
+          <a:p>
+            <a:pPr marL="342900" indent="-342900">
+              <a:buFont typeface="Arial" panose="020B0604020202020204" pitchFamily="34" charset="0"/>
+              <a:buChar char="•"/>
+            </a:pPr>
+            <a:r>
+              <a:rPr kumimoji="1" lang="ja-JP" altLang="en-US" sz="2400" dirty="0"/>
+              <a:t>倒したときのスコア</a:t>
+            </a:r>
+            <a:r>
+              <a:rPr lang="ja-JP" altLang="en-US" sz="2400" dirty="0"/>
+              <a:t>：</a:t>
+            </a:r>
+            <a:r>
+              <a:rPr lang="en-US" altLang="ja-JP" sz="2400" dirty="0"/>
+              <a:t>200(int)</a:t>
             </a:r>
             <a:endParaRPr kumimoji="1" lang="ja-JP" altLang="en-US" sz="2400" dirty="0"/>
           </a:p>
@@ -4326,7 +4358,7 @@
         <p:spPr>
           <a:xfrm>
             <a:off x="2151529" y="968188"/>
-            <a:ext cx="7548283" cy="2308324"/>
+            <a:ext cx="7548283" cy="2677656"/>
           </a:xfrm>
           <a:prstGeom prst="rect">
             <a:avLst/>
@@ -4389,6 +4421,21 @@
             <a:r>
               <a:rPr lang="ja-JP" altLang="en-US" sz="2400" dirty="0"/>
               <a:t>赤状態、黄色状態で倒すことができる</a:t>
+            </a:r>
+            <a:endParaRPr lang="en-US" altLang="ja-JP" sz="2400" dirty="0"/>
+          </a:p>
+          <a:p>
+            <a:pPr marL="342900" indent="-342900">
+              <a:buFont typeface="Arial" panose="020B0604020202020204" pitchFamily="34" charset="0"/>
+              <a:buChar char="•"/>
+            </a:pPr>
+            <a:r>
+              <a:rPr kumimoji="1" lang="ja-JP" altLang="en-US" sz="2400" dirty="0"/>
+              <a:t>倒したときのスコア：</a:t>
+            </a:r>
+            <a:r>
+              <a:rPr kumimoji="1" lang="en-US" altLang="ja-JP" sz="2400" dirty="0"/>
+              <a:t>500(int)</a:t>
             </a:r>
             <a:endParaRPr kumimoji="1" lang="ja-JP" altLang="en-US" sz="2400" dirty="0"/>
           </a:p>
@@ -4474,7 +4521,7 @@
         <p:spPr>
           <a:xfrm>
             <a:off x="1936376" y="1219200"/>
-            <a:ext cx="8910918" cy="2308324"/>
+            <a:ext cx="8910918" cy="2677656"/>
           </a:xfrm>
           <a:prstGeom prst="rect">
             <a:avLst/>
@@ -4539,6 +4586,20 @@
               <a:t>青状態、黄色状態で倒すことができる</a:t>
             </a:r>
             <a:endParaRPr lang="en-US" altLang="ja-JP" sz="2400" dirty="0"/>
+          </a:p>
+          <a:p>
+            <a:pPr marL="342900" indent="-342900">
+              <a:buFont typeface="Arial" panose="020B0604020202020204" pitchFamily="34" charset="0"/>
+              <a:buChar char="•"/>
+            </a:pPr>
+            <a:r>
+              <a:rPr lang="ja-JP" altLang="en-US" sz="2400" dirty="0"/>
+              <a:t>倒したときのスコア：</a:t>
+            </a:r>
+            <a:r>
+              <a:rPr lang="en-US" altLang="ja-JP" sz="2400" dirty="0"/>
+              <a:t>500(int)</a:t>
+            </a:r>
           </a:p>
         </p:txBody>
       </p:sp>
@@ -4622,7 +4683,7 @@
         <p:spPr>
           <a:xfrm>
             <a:off x="1972235" y="988367"/>
-            <a:ext cx="7602071" cy="3046988"/>
+            <a:ext cx="7602071" cy="3416320"/>
           </a:xfrm>
           <a:prstGeom prst="rect">
             <a:avLst/>
@@ -4704,6 +4765,22 @@
               <a:rPr kumimoji="1" lang="ja-JP" altLang="en-US" sz="2400" dirty="0"/>
               <a:t>この敵を倒すことで黄色状態になれるようになる</a:t>
             </a:r>
+            <a:endParaRPr kumimoji="1" lang="en-US" altLang="ja-JP" sz="2400" dirty="0"/>
+          </a:p>
+          <a:p>
+            <a:pPr marL="342900" indent="-342900">
+              <a:buFont typeface="Arial" panose="020B0604020202020204" pitchFamily="34" charset="0"/>
+              <a:buChar char="•"/>
+            </a:pPr>
+            <a:r>
+              <a:rPr lang="ja-JP" altLang="en-US" sz="2400" dirty="0"/>
+              <a:t>倒したときのスコア：</a:t>
+            </a:r>
+            <a:r>
+              <a:rPr lang="en-US" altLang="ja-JP" sz="2400" dirty="0"/>
+              <a:t>800(int)</a:t>
+            </a:r>
+            <a:endParaRPr kumimoji="1" lang="ja-JP" altLang="en-US" sz="2400" dirty="0"/>
           </a:p>
         </p:txBody>
       </p:sp>

--- a/仕様書/敵.pptx
+++ b/仕様書/敵.pptx
@@ -11,6 +11,7 @@
     <p:sldId id="258" r:id="rId5"/>
     <p:sldId id="259" r:id="rId6"/>
     <p:sldId id="260" r:id="rId7"/>
+    <p:sldId id="262" r:id="rId8"/>
   </p:sldIdLst>
   <p:sldSz cx="12192000" cy="6858000"/>
   <p:notesSz cx="6858000" cy="9144000"/>
@@ -3670,7 +3671,7 @@
         <p:spPr>
           <a:xfrm>
             <a:off x="135466" y="552510"/>
-            <a:ext cx="11413066" cy="1754326"/>
+            <a:ext cx="11413066" cy="1477328"/>
           </a:xfrm>
           <a:prstGeom prst="rect">
             <a:avLst/>
@@ -3755,16 +3756,6 @@
             <a:r>
               <a:rPr lang="en-US" altLang="ja-JP" dirty="0"/>
               <a:t>)</a:t>
-            </a:r>
-          </a:p>
-          <a:p>
-            <a:r>
-              <a:rPr lang="ja-JP" altLang="en-US" dirty="0"/>
-              <a:t>　・動く敵の速度はすべて統一</a:t>
-            </a:r>
-            <a:r>
-              <a:rPr lang="en-US" altLang="ja-JP" dirty="0"/>
-              <a:t>(float)</a:t>
             </a:r>
           </a:p>
         </p:txBody>
@@ -4788,6 +4779,180 @@
     <p:extLst>
       <p:ext uri="{BB962C8B-B14F-4D97-AF65-F5344CB8AC3E}">
         <p14:creationId xmlns:p14="http://schemas.microsoft.com/office/powerpoint/2010/main" val="3286206265"/>
+      </p:ext>
+    </p:extLst>
+  </p:cSld>
+  <p:clrMapOvr>
+    <a:masterClrMapping/>
+  </p:clrMapOvr>
+</p:sld>
+</file>
+
+<file path=ppt/slides/slide7.xml><?xml version="1.0" encoding="utf-8"?>
+<p:sld xmlns:a="http://schemas.openxmlformats.org/drawingml/2006/main" xmlns:r="http://schemas.openxmlformats.org/officeDocument/2006/relationships" xmlns:p="http://schemas.openxmlformats.org/presentationml/2006/main">
+  <p:cSld>
+    <p:spTree>
+      <p:nvGrpSpPr>
+        <p:cNvPr id="1" name=""/>
+        <p:cNvGrpSpPr/>
+        <p:nvPr/>
+      </p:nvGrpSpPr>
+      <p:grpSpPr>
+        <a:xfrm>
+          <a:off x="0" y="0"/>
+          <a:ext cx="0" cy="0"/>
+          <a:chOff x="0" y="0"/>
+          <a:chExt cx="0" cy="0"/>
+        </a:xfrm>
+      </p:grpSpPr>
+      <p:sp>
+        <p:nvSpPr>
+          <p:cNvPr id="2" name="テキスト ボックス 1">
+            <a:extLst>
+              <a:ext uri="{FF2B5EF4-FFF2-40B4-BE49-F238E27FC236}">
+                <a16:creationId xmlns:a16="http://schemas.microsoft.com/office/drawing/2014/main" id="{1A9D3757-64CC-4643-BE3A-FA8F064E7503}"/>
+              </a:ext>
+            </a:extLst>
+          </p:cNvPr>
+          <p:cNvSpPr txBox="1"/>
+          <p:nvPr/>
+        </p:nvSpPr>
+        <p:spPr>
+          <a:xfrm>
+            <a:off x="0" y="0"/>
+            <a:ext cx="2061882" cy="369332"/>
+          </a:xfrm>
+          <a:prstGeom prst="rect">
+            <a:avLst/>
+          </a:prstGeom>
+          <a:noFill/>
+        </p:spPr>
+        <p:txBody>
+          <a:bodyPr wrap="square" rtlCol="0">
+            <a:spAutoFit/>
+          </a:bodyPr>
+          <a:lstStyle/>
+          <a:p>
+            <a:r>
+              <a:rPr kumimoji="1" lang="ja-JP" altLang="en-US" u="sng" dirty="0"/>
+              <a:t>完全武装敵</a:t>
+            </a:r>
+          </a:p>
+        </p:txBody>
+      </p:sp>
+      <p:sp>
+        <p:nvSpPr>
+          <p:cNvPr id="3" name="テキスト ボックス 2">
+            <a:extLst>
+              <a:ext uri="{FF2B5EF4-FFF2-40B4-BE49-F238E27FC236}">
+                <a16:creationId xmlns:a16="http://schemas.microsoft.com/office/drawing/2014/main" id="{2BFF8F52-9A8C-40A9-8950-FA158378B13F}"/>
+              </a:ext>
+            </a:extLst>
+          </p:cNvPr>
+          <p:cNvSpPr txBox="1"/>
+          <p:nvPr/>
+        </p:nvSpPr>
+        <p:spPr>
+          <a:xfrm>
+            <a:off x="2061882" y="1039906"/>
+            <a:ext cx="7386918" cy="3046988"/>
+          </a:xfrm>
+          <a:prstGeom prst="rect">
+            <a:avLst/>
+          </a:prstGeom>
+          <a:noFill/>
+        </p:spPr>
+        <p:txBody>
+          <a:bodyPr wrap="square" rtlCol="0">
+            <a:spAutoFit/>
+          </a:bodyPr>
+          <a:lstStyle/>
+          <a:p>
+            <a:r>
+              <a:rPr kumimoji="1" lang="ja-JP" altLang="en-US" sz="2400" dirty="0"/>
+              <a:t>黄色のヘルメットと黄色の盾を持った敵</a:t>
+            </a:r>
+            <a:endParaRPr kumimoji="1" lang="en-US" altLang="ja-JP" sz="2400" dirty="0"/>
+          </a:p>
+          <a:p>
+            <a:endParaRPr lang="en-US" altLang="ja-JP" sz="2400" dirty="0"/>
+          </a:p>
+          <a:p>
+            <a:pPr marL="342900" indent="-342900">
+              <a:buFont typeface="Arial" panose="020B0604020202020204" pitchFamily="34" charset="0"/>
+              <a:buChar char="•"/>
+            </a:pPr>
+            <a:r>
+              <a:rPr kumimoji="1" lang="ja-JP" altLang="en-US" sz="2400" dirty="0"/>
+              <a:t>基本の動きは通常敵と同じ</a:t>
+            </a:r>
+            <a:endParaRPr kumimoji="1" lang="en-US" altLang="ja-JP" sz="2400" dirty="0"/>
+          </a:p>
+          <a:p>
+            <a:pPr marL="342900" indent="-342900">
+              <a:buFont typeface="Arial" panose="020B0604020202020204" pitchFamily="34" charset="0"/>
+              <a:buChar char="•"/>
+            </a:pPr>
+            <a:r>
+              <a:rPr kumimoji="1" lang="ja-JP" altLang="en-US" sz="2400" dirty="0"/>
+              <a:t>ステージ</a:t>
+            </a:r>
+            <a:r>
+              <a:rPr kumimoji="1" lang="en-US" altLang="ja-JP" sz="2400" dirty="0"/>
+              <a:t>3</a:t>
+            </a:r>
+            <a:r>
+              <a:rPr kumimoji="1" lang="ja-JP" altLang="en-US" sz="2400" dirty="0"/>
+              <a:t>にしか出現しない</a:t>
+            </a:r>
+            <a:endParaRPr kumimoji="1" lang="en-US" altLang="ja-JP" sz="2400" dirty="0"/>
+          </a:p>
+          <a:p>
+            <a:pPr marL="342900" indent="-342900">
+              <a:buFont typeface="Arial" panose="020B0604020202020204" pitchFamily="34" charset="0"/>
+              <a:buChar char="•"/>
+            </a:pPr>
+            <a:r>
+              <a:rPr lang="ja-JP" altLang="en-US" sz="2400" dirty="0"/>
+              <a:t>黄色状態でしか倒せない</a:t>
+            </a:r>
+            <a:endParaRPr lang="en-US" altLang="ja-JP" sz="2400" dirty="0"/>
+          </a:p>
+          <a:p>
+            <a:pPr marL="342900" indent="-342900">
+              <a:buFont typeface="Arial" panose="020B0604020202020204" pitchFamily="34" charset="0"/>
+              <a:buChar char="•"/>
+            </a:pPr>
+            <a:r>
+              <a:rPr kumimoji="1" lang="ja-JP" altLang="en-US" sz="2400" dirty="0"/>
+              <a:t>プレイヤーがこの敵に当たってもダメージは受けない</a:t>
+            </a:r>
+            <a:r>
+              <a:rPr kumimoji="1" lang="en-US" altLang="ja-JP" sz="2400" dirty="0"/>
+              <a:t>(</a:t>
+            </a:r>
+            <a:r>
+              <a:rPr kumimoji="1" lang="ja-JP" altLang="en-US" sz="2400" dirty="0"/>
+              <a:t>あくまでボーナススコアのような敵</a:t>
+            </a:r>
+            <a:r>
+              <a:rPr kumimoji="1" lang="en-US" altLang="ja-JP" sz="2400" dirty="0"/>
+              <a:t>)</a:t>
+            </a:r>
+          </a:p>
+          <a:p>
+            <a:pPr marL="342900" indent="-342900">
+              <a:buFont typeface="Arial" panose="020B0604020202020204" pitchFamily="34" charset="0"/>
+              <a:buChar char="•"/>
+            </a:pPr>
+            <a:endParaRPr kumimoji="1" lang="ja-JP" altLang="en-US" sz="2400" dirty="0"/>
+          </a:p>
+        </p:txBody>
+      </p:sp>
+    </p:spTree>
+    <p:extLst>
+      <p:ext uri="{BB962C8B-B14F-4D97-AF65-F5344CB8AC3E}">
+        <p14:creationId xmlns:p14="http://schemas.microsoft.com/office/powerpoint/2010/main" val="2350970718"/>
       </p:ext>
     </p:extLst>
   </p:cSld>

--- a/仕様書/敵.pptx
+++ b/仕様書/敵.pptx
@@ -265,7 +265,7 @@
           <a:p>
             <a:fld id="{B0AC61BB-3DFA-4B3C-8BB0-76BE215F031E}" type="datetimeFigureOut">
               <a:rPr kumimoji="1" lang="ja-JP" altLang="en-US" smtClean="0"/>
-              <a:t>2026/2/9</a:t>
+              <a:t>2026/2/10</a:t>
             </a:fld>
             <a:endParaRPr kumimoji="1" lang="ja-JP" altLang="en-US"/>
           </a:p>
@@ -495,7 +495,7 @@
           <a:p>
             <a:fld id="{B0AC61BB-3DFA-4B3C-8BB0-76BE215F031E}" type="datetimeFigureOut">
               <a:rPr kumimoji="1" lang="ja-JP" altLang="en-US" smtClean="0"/>
-              <a:t>2026/2/9</a:t>
+              <a:t>2026/2/10</a:t>
             </a:fld>
             <a:endParaRPr kumimoji="1" lang="ja-JP" altLang="en-US"/>
           </a:p>
@@ -735,7 +735,7 @@
           <a:p>
             <a:fld id="{B0AC61BB-3DFA-4B3C-8BB0-76BE215F031E}" type="datetimeFigureOut">
               <a:rPr kumimoji="1" lang="ja-JP" altLang="en-US" smtClean="0"/>
-              <a:t>2026/2/9</a:t>
+              <a:t>2026/2/10</a:t>
             </a:fld>
             <a:endParaRPr kumimoji="1" lang="ja-JP" altLang="en-US"/>
           </a:p>
@@ -965,7 +965,7 @@
           <a:p>
             <a:fld id="{B0AC61BB-3DFA-4B3C-8BB0-76BE215F031E}" type="datetimeFigureOut">
               <a:rPr kumimoji="1" lang="ja-JP" altLang="en-US" smtClean="0"/>
-              <a:t>2026/2/9</a:t>
+              <a:t>2026/2/10</a:t>
             </a:fld>
             <a:endParaRPr kumimoji="1" lang="ja-JP" altLang="en-US"/>
           </a:p>
@@ -1240,7 +1240,7 @@
           <a:p>
             <a:fld id="{B0AC61BB-3DFA-4B3C-8BB0-76BE215F031E}" type="datetimeFigureOut">
               <a:rPr kumimoji="1" lang="ja-JP" altLang="en-US" smtClean="0"/>
-              <a:t>2026/2/9</a:t>
+              <a:t>2026/2/10</a:t>
             </a:fld>
             <a:endParaRPr kumimoji="1" lang="ja-JP" altLang="en-US"/>
           </a:p>
@@ -1569,7 +1569,7 @@
           <a:p>
             <a:fld id="{B0AC61BB-3DFA-4B3C-8BB0-76BE215F031E}" type="datetimeFigureOut">
               <a:rPr kumimoji="1" lang="ja-JP" altLang="en-US" smtClean="0"/>
-              <a:t>2026/2/9</a:t>
+              <a:t>2026/2/10</a:t>
             </a:fld>
             <a:endParaRPr kumimoji="1" lang="ja-JP" altLang="en-US"/>
           </a:p>
@@ -2045,7 +2045,7 @@
           <a:p>
             <a:fld id="{B0AC61BB-3DFA-4B3C-8BB0-76BE215F031E}" type="datetimeFigureOut">
               <a:rPr kumimoji="1" lang="ja-JP" altLang="en-US" smtClean="0"/>
-              <a:t>2026/2/9</a:t>
+              <a:t>2026/2/10</a:t>
             </a:fld>
             <a:endParaRPr kumimoji="1" lang="ja-JP" altLang="en-US"/>
           </a:p>
@@ -2186,7 +2186,7 @@
           <a:p>
             <a:fld id="{B0AC61BB-3DFA-4B3C-8BB0-76BE215F031E}" type="datetimeFigureOut">
               <a:rPr kumimoji="1" lang="ja-JP" altLang="en-US" smtClean="0"/>
-              <a:t>2026/2/9</a:t>
+              <a:t>2026/2/10</a:t>
             </a:fld>
             <a:endParaRPr kumimoji="1" lang="ja-JP" altLang="en-US"/>
           </a:p>
@@ -2299,7 +2299,7 @@
           <a:p>
             <a:fld id="{B0AC61BB-3DFA-4B3C-8BB0-76BE215F031E}" type="datetimeFigureOut">
               <a:rPr kumimoji="1" lang="ja-JP" altLang="en-US" smtClean="0"/>
-              <a:t>2026/2/9</a:t>
+              <a:t>2026/2/10</a:t>
             </a:fld>
             <a:endParaRPr kumimoji="1" lang="ja-JP" altLang="en-US"/>
           </a:p>
@@ -2642,7 +2642,7 @@
           <a:p>
             <a:fld id="{B0AC61BB-3DFA-4B3C-8BB0-76BE215F031E}" type="datetimeFigureOut">
               <a:rPr kumimoji="1" lang="ja-JP" altLang="en-US" smtClean="0"/>
-              <a:t>2026/2/9</a:t>
+              <a:t>2026/2/10</a:t>
             </a:fld>
             <a:endParaRPr kumimoji="1" lang="ja-JP" altLang="en-US"/>
           </a:p>
@@ -2930,7 +2930,7 @@
           <a:p>
             <a:fld id="{B0AC61BB-3DFA-4B3C-8BB0-76BE215F031E}" type="datetimeFigureOut">
               <a:rPr kumimoji="1" lang="ja-JP" altLang="en-US" smtClean="0"/>
-              <a:t>2026/2/9</a:t>
+              <a:t>2026/2/10</a:t>
             </a:fld>
             <a:endParaRPr kumimoji="1" lang="ja-JP" altLang="en-US"/>
           </a:p>
@@ -3203,7 +3203,7 @@
           <a:p>
             <a:fld id="{B0AC61BB-3DFA-4B3C-8BB0-76BE215F031E}" type="datetimeFigureOut">
               <a:rPr kumimoji="1" lang="ja-JP" altLang="en-US" smtClean="0"/>
-              <a:t>2026/2/9</a:t>
+              <a:t>2026/2/10</a:t>
             </a:fld>
             <a:endParaRPr kumimoji="1" lang="ja-JP" altLang="en-US"/>
           </a:p>
@@ -3801,8 +3801,8 @@
               <a:t>現在</a:t>
             </a:r>
             <a:r>
-              <a:rPr kumimoji="1" lang="en-US" altLang="ja-JP" dirty="0"/>
-              <a:t>4</a:t>
+              <a:rPr lang="en-US" altLang="ja-JP" dirty="0"/>
+              <a:t>5</a:t>
             </a:r>
             <a:r>
               <a:rPr kumimoji="1" lang="ja-JP" altLang="en-US" dirty="0"/>
@@ -4011,8 +4011,8 @@
               <a:t>敵は</a:t>
             </a:r>
             <a:r>
-              <a:rPr kumimoji="1" lang="en-US" altLang="ja-JP" dirty="0"/>
-              <a:t>4</a:t>
+              <a:rPr lang="en-US" altLang="ja-JP" dirty="0"/>
+              <a:t>5</a:t>
             </a:r>
             <a:r>
               <a:rPr kumimoji="1" lang="ja-JP" altLang="en-US" dirty="0"/>

--- a/仕様書/敵.pptx
+++ b/仕様書/敵.pptx
@@ -4855,7 +4855,7 @@
         <p:spPr>
           <a:xfrm>
             <a:off x="2061882" y="1039906"/>
-            <a:ext cx="7386918" cy="3046988"/>
+            <a:ext cx="7386918" cy="4154984"/>
           </a:xfrm>
           <a:prstGeom prst="rect">
             <a:avLst/>
@@ -4939,6 +4939,32 @@
               <a:rPr kumimoji="1" lang="en-US" altLang="ja-JP" sz="2400" dirty="0"/>
               <a:t>)</a:t>
             </a:r>
+          </a:p>
+          <a:p>
+            <a:pPr marL="342900" indent="-342900">
+              <a:buFont typeface="Arial" panose="020B0604020202020204" pitchFamily="34" charset="0"/>
+              <a:buChar char="•"/>
+            </a:pPr>
+            <a:r>
+              <a:rPr kumimoji="1" lang="ja-JP" altLang="en-US" sz="2400" dirty="0"/>
+              <a:t>プレイヤーがぶつかるとプレイヤーがノックバックする</a:t>
+            </a:r>
+            <a:endParaRPr kumimoji="1" lang="en-US" altLang="ja-JP" sz="2400" dirty="0"/>
+          </a:p>
+          <a:p>
+            <a:pPr marL="342900" indent="-342900">
+              <a:buFont typeface="Arial" panose="020B0604020202020204" pitchFamily="34" charset="0"/>
+              <a:buChar char="•"/>
+            </a:pPr>
+            <a:r>
+              <a:rPr lang="ja-JP" altLang="en-US" sz="2400" dirty="0"/>
+              <a:t>倒したときのスコア：</a:t>
+            </a:r>
+            <a:r>
+              <a:rPr lang="en-US" altLang="ja-JP" sz="2400"/>
+              <a:t>1000(int)</a:t>
+            </a:r>
+            <a:endParaRPr kumimoji="1" lang="en-US" altLang="ja-JP" sz="2400" dirty="0"/>
           </a:p>
           <a:p>
             <a:pPr marL="342900" indent="-342900">
